--- a/Online Shopping Project.pptx
+++ b/Online Shopping Project.pptx
@@ -16,7 +16,7 @@
     <p:sldId id="320" r:id="rId4"/>
     <p:sldId id="313" r:id="rId5"/>
     <p:sldId id="312" r:id="rId6"/>
-    <p:sldId id="314" r:id="rId7"/>
+    <p:sldId id="321" r:id="rId7"/>
     <p:sldId id="315" r:id="rId8"/>
     <p:sldId id="316" r:id="rId9"/>
     <p:sldId id="317" r:id="rId10"/>
@@ -919,7 +919,7 @@
         <a:p>
           <a:r>
             <a:rPr lang="en-US" dirty="0"/>
-            <a:t>Step 1 Title</a:t>
+            <a:t>Front End </a:t>
           </a:r>
         </a:p>
       </dgm:t>
@@ -955,7 +955,7 @@
         <a:p>
           <a:r>
             <a:rPr lang="en-US" dirty="0"/>
-            <a:t>Task description</a:t>
+            <a:t>JavaScript</a:t>
           </a:r>
         </a:p>
       </dgm:t>
@@ -991,7 +991,7 @@
         <a:p>
           <a:r>
             <a:rPr lang="en-US" dirty="0"/>
-            <a:t>Task description</a:t>
+            <a:t>CSS</a:t>
           </a:r>
         </a:p>
       </dgm:t>
@@ -1027,7 +1027,7 @@
         <a:p>
           <a:r>
             <a:rPr lang="en-US" dirty="0"/>
-            <a:t>Step 2 Title</a:t>
+            <a:t>Back End </a:t>
           </a:r>
         </a:p>
       </dgm:t>
@@ -1063,7 +1063,7 @@
         <a:p>
           <a:r>
             <a:rPr lang="en-US" dirty="0"/>
-            <a:t>Task description</a:t>
+            <a:t>Java </a:t>
           </a:r>
         </a:p>
       </dgm:t>
@@ -1099,7 +1099,7 @@
         <a:p>
           <a:r>
             <a:rPr lang="en-US" dirty="0"/>
-            <a:t>Step 3 Title</a:t>
+            <a:t>Database</a:t>
           </a:r>
         </a:p>
       </dgm:t>
@@ -1134,10 +1134,9 @@
         <a:lstStyle/>
         <a:p>
           <a:r>
-            <a:rPr lang="en-US"/>
-            <a:t>Task description</a:t>
+            <a:rPr lang="en-US" dirty="0"/>
+            <a:t>MySQL</a:t>
           </a:r>
-          <a:endParaRPr lang="en-US" dirty="0"/>
         </a:p>
       </dgm:t>
     </dgm:pt>
@@ -1163,42 +1162,6 @@
         </a:p>
       </dgm:t>
     </dgm:pt>
-    <dgm:pt modelId="{65B6D8B9-E558-4264-B37F-7B4B2A8896DF}">
-      <dgm:prSet phldrT="[Text]"/>
-      <dgm:spPr/>
-      <dgm:t>
-        <a:bodyPr/>
-        <a:lstStyle/>
-        <a:p>
-          <a:r>
-            <a:rPr lang="en-US" dirty="0"/>
-            <a:t>Task description</a:t>
-          </a:r>
-        </a:p>
-      </dgm:t>
-    </dgm:pt>
-    <dgm:pt modelId="{04F5A724-3AA7-4E78-B992-BCB3E916993F}" type="parTrans" cxnId="{CA96E113-7151-48C8-B4D5-7AA211772CC8}">
-      <dgm:prSet/>
-      <dgm:spPr/>
-      <dgm:t>
-        <a:bodyPr/>
-        <a:lstStyle/>
-        <a:p>
-          <a:endParaRPr lang="en-US"/>
-        </a:p>
-      </dgm:t>
-    </dgm:pt>
-    <dgm:pt modelId="{370A79FF-9957-49E1-811F-78AB198DD9E0}" type="sibTrans" cxnId="{CA96E113-7151-48C8-B4D5-7AA211772CC8}">
-      <dgm:prSet/>
-      <dgm:spPr/>
-      <dgm:t>
-        <a:bodyPr/>
-        <a:lstStyle/>
-        <a:p>
-          <a:endParaRPr lang="en-US"/>
-        </a:p>
-      </dgm:t>
-    </dgm:pt>
     <dgm:pt modelId="{6E7DBE00-7E5B-46F8-BBA0-CF0079A58E82}">
       <dgm:prSet phldrT="[Text]"/>
       <dgm:spPr/>
@@ -1208,7 +1171,7 @@
         <a:p>
           <a:r>
             <a:rPr lang="en-US" dirty="0"/>
-            <a:t>Task description</a:t>
+            <a:t>PHP admin</a:t>
           </a:r>
         </a:p>
       </dgm:t>
@@ -1232,6 +1195,114 @@
         <a:lstStyle/>
         <a:p>
           <a:endParaRPr lang="en-US"/>
+        </a:p>
+      </dgm:t>
+    </dgm:pt>
+    <dgm:pt modelId="{F06F8161-71B5-4323-89BF-C3EE45CE4CA1}">
+      <dgm:prSet phldrT="[Text]"/>
+      <dgm:spPr/>
+      <dgm:t>
+        <a:bodyPr/>
+        <a:lstStyle/>
+        <a:p>
+          <a:r>
+            <a:rPr lang="en-US" dirty="0"/>
+            <a:t>Spring</a:t>
+          </a:r>
+        </a:p>
+      </dgm:t>
+    </dgm:pt>
+    <dgm:pt modelId="{ADE6F62C-A721-4FB5-A74D-DF2B81138393}" type="parTrans" cxnId="{14ACC019-0C32-47BF-B2A5-B7A37907EBBE}">
+      <dgm:prSet/>
+      <dgm:spPr/>
+      <dgm:t>
+        <a:bodyPr/>
+        <a:lstStyle/>
+        <a:p>
+          <a:endParaRPr lang="en-GB"/>
+        </a:p>
+      </dgm:t>
+    </dgm:pt>
+    <dgm:pt modelId="{BB2EFCF2-6505-4F84-8651-674114DFB1E8}" type="sibTrans" cxnId="{14ACC019-0C32-47BF-B2A5-B7A37907EBBE}">
+      <dgm:prSet/>
+      <dgm:spPr/>
+      <dgm:t>
+        <a:bodyPr/>
+        <a:lstStyle/>
+        <a:p>
+          <a:endParaRPr lang="en-GB"/>
+        </a:p>
+      </dgm:t>
+    </dgm:pt>
+    <dgm:pt modelId="{A00D21AD-1968-42AF-BBAE-F174B43C0051}">
+      <dgm:prSet phldrT="[Text]"/>
+      <dgm:spPr/>
+      <dgm:t>
+        <a:bodyPr/>
+        <a:lstStyle/>
+        <a:p>
+          <a:r>
+            <a:rPr lang="en-US" dirty="0"/>
+            <a:t>JPA</a:t>
+          </a:r>
+        </a:p>
+      </dgm:t>
+    </dgm:pt>
+    <dgm:pt modelId="{169E87C7-45C4-46DE-A100-DF3CDDB432E7}" type="parTrans" cxnId="{BF7E0427-1401-4A91-B67E-B5D2A233875D}">
+      <dgm:prSet/>
+      <dgm:spPr/>
+      <dgm:t>
+        <a:bodyPr/>
+        <a:lstStyle/>
+        <a:p>
+          <a:endParaRPr lang="en-GB"/>
+        </a:p>
+      </dgm:t>
+    </dgm:pt>
+    <dgm:pt modelId="{8CD07328-B1B5-4040-80E4-41C5276B649D}" type="sibTrans" cxnId="{BF7E0427-1401-4A91-B67E-B5D2A233875D}">
+      <dgm:prSet/>
+      <dgm:spPr/>
+      <dgm:t>
+        <a:bodyPr/>
+        <a:lstStyle/>
+        <a:p>
+          <a:endParaRPr lang="en-GB"/>
+        </a:p>
+      </dgm:t>
+    </dgm:pt>
+    <dgm:pt modelId="{7C6CB6BF-9996-4A79-80DE-350C7EA4B5D9}">
+      <dgm:prSet phldrT="[Text]"/>
+      <dgm:spPr/>
+      <dgm:t>
+        <a:bodyPr/>
+        <a:lstStyle/>
+        <a:p>
+          <a:r>
+            <a:rPr lang="en-US" dirty="0"/>
+            <a:t>Junit Testing</a:t>
+          </a:r>
+        </a:p>
+      </dgm:t>
+    </dgm:pt>
+    <dgm:pt modelId="{1964A0F3-9761-4AAC-9065-4C52CE5AF5E2}" type="parTrans" cxnId="{A4F6EAE3-FA1A-45A2-922C-407B3924AA36}">
+      <dgm:prSet/>
+      <dgm:spPr/>
+      <dgm:t>
+        <a:bodyPr/>
+        <a:lstStyle/>
+        <a:p>
+          <a:endParaRPr lang="en-GB"/>
+        </a:p>
+      </dgm:t>
+    </dgm:pt>
+    <dgm:pt modelId="{A4BC6DC0-E949-46DC-8991-5F2CBA18D24F}" type="sibTrans" cxnId="{A4F6EAE3-FA1A-45A2-922C-407B3924AA36}">
+      <dgm:prSet/>
+      <dgm:spPr/>
+      <dgm:t>
+        <a:bodyPr/>
+        <a:lstStyle/>
+        <a:p>
+          <a:endParaRPr lang="en-GB"/>
         </a:p>
       </dgm:t>
     </dgm:pt>
@@ -1339,15 +1410,15 @@
       <dgm:prSet presAssocID="{7AEB6639-3258-49E8-8B1F-B4A9C61922BE}" presName="Name18" presStyleLbl="sibTrans2D1" presStyleIdx="1" presStyleCnt="2"/>
       <dgm:spPr/>
     </dgm:pt>
-    <dgm:pt modelId="{A874A3A3-A340-4ABC-99B5-7529D4415335}" type="pres">
+    <dgm:pt modelId="{F73DA82F-EA18-4CF3-BD6C-530C54BB2EDD}" type="pres">
       <dgm:prSet presAssocID="{58828492-5CEF-4AFE-95CB-5D7E6A18158B}" presName="composite1" presStyleCnt="0"/>
       <dgm:spPr/>
     </dgm:pt>
-    <dgm:pt modelId="{14032C0B-60AE-432B-A713-F993D1C4BA8F}" type="pres">
+    <dgm:pt modelId="{0225E57A-5D5D-4EF5-88A2-F4BC79AFFF7F}" type="pres">
       <dgm:prSet presAssocID="{58828492-5CEF-4AFE-95CB-5D7E6A18158B}" presName="dummyNode1" presStyleLbl="node1" presStyleIdx="1" presStyleCnt="3"/>
       <dgm:spPr/>
     </dgm:pt>
-    <dgm:pt modelId="{69C28D3B-E083-42DF-9EA0-916CA12125A9}" type="pres">
+    <dgm:pt modelId="{FA58BAB6-E970-457C-8197-2BA1448CD0F8}" type="pres">
       <dgm:prSet presAssocID="{58828492-5CEF-4AFE-95CB-5D7E6A18158B}" presName="childNode1" presStyleLbl="bgAcc1" presStyleIdx="2" presStyleCnt="3">
         <dgm:presLayoutVars>
           <dgm:bulletEnabled val="1"/>
@@ -1355,7 +1426,7 @@
       </dgm:prSet>
       <dgm:spPr/>
     </dgm:pt>
-    <dgm:pt modelId="{843715D2-C2C2-41EB-BDA3-21230FBA46DB}" type="pres">
+    <dgm:pt modelId="{C9799975-E960-4DE6-8A82-E6F9A0CDE4AD}" type="pres">
       <dgm:prSet presAssocID="{58828492-5CEF-4AFE-95CB-5D7E6A18158B}" presName="childNode1tx" presStyleLbl="bgAcc1" presStyleIdx="2" presStyleCnt="3">
         <dgm:presLayoutVars>
           <dgm:bulletEnabled val="1"/>
@@ -1363,7 +1434,7 @@
       </dgm:prSet>
       <dgm:spPr/>
     </dgm:pt>
-    <dgm:pt modelId="{047F5837-10E2-4FFC-A492-DB8A19EF48CA}" type="pres">
+    <dgm:pt modelId="{5A4B1F72-7052-4FA1-9321-423F2822C025}" type="pres">
       <dgm:prSet presAssocID="{58828492-5CEF-4AFE-95CB-5D7E6A18158B}" presName="parentNode1" presStyleLbl="node1" presStyleIdx="2" presStyleCnt="3">
         <dgm:presLayoutVars>
           <dgm:chMax val="1"/>
@@ -1372,37 +1443,43 @@
       </dgm:prSet>
       <dgm:spPr/>
     </dgm:pt>
-    <dgm:pt modelId="{7D6A154D-27BB-4CCE-9250-BCDD2CD5C383}" type="pres">
+    <dgm:pt modelId="{AD1F2947-BDF0-42B4-BB5E-326BC6D6D6B6}" type="pres">
       <dgm:prSet presAssocID="{58828492-5CEF-4AFE-95CB-5D7E6A18158B}" presName="connSite1" presStyleCnt="0"/>
       <dgm:spPr/>
     </dgm:pt>
   </dgm:ptLst>
   <dgm:cxnLst>
-    <dgm:cxn modelId="{CA96E113-7151-48C8-B4D5-7AA211772CC8}" srcId="{F6D27D1B-CDCB-481F-B8FA-AB31B2A119DE}" destId="{65B6D8B9-E558-4264-B37F-7B4B2A8896DF}" srcOrd="1" destOrd="0" parTransId="{04F5A724-3AA7-4E78-B992-BCB3E916993F}" sibTransId="{370A79FF-9957-49E1-811F-78AB198DD9E0}"/>
     <dgm:cxn modelId="{1FE4D618-724E-4829-BED3-DAA3C651B769}" type="presOf" srcId="{0B00F5A8-A0EF-4111-9D86-004317B4F49E}" destId="{E83793B4-2C5C-4D90-82FA-E5EE4745664D}" srcOrd="0" destOrd="0" presId="urn:microsoft.com/office/officeart/2005/8/layout/hProcess4"/>
+    <dgm:cxn modelId="{14ACC019-0C32-47BF-B2A5-B7A37907EBBE}" srcId="{F6D27D1B-CDCB-481F-B8FA-AB31B2A119DE}" destId="{F06F8161-71B5-4323-89BF-C3EE45CE4CA1}" srcOrd="1" destOrd="0" parTransId="{ADE6F62C-A721-4FB5-A74D-DF2B81138393}" sibTransId="{BB2EFCF2-6505-4F84-8651-674114DFB1E8}"/>
+    <dgm:cxn modelId="{2932081E-9685-4945-84E2-83F1D0DD09F4}" type="presOf" srcId="{6E7DBE00-7E5B-46F8-BBA0-CF0079A58E82}" destId="{C9799975-E960-4DE6-8A82-E6F9A0CDE4AD}" srcOrd="1" destOrd="1" presId="urn:microsoft.com/office/officeart/2005/8/layout/hProcess4"/>
     <dgm:cxn modelId="{A08CE81F-A93E-429F-943D-3B3662A0C042}" type="presOf" srcId="{F6D27D1B-CDCB-481F-B8FA-AB31B2A119DE}" destId="{029D1FDE-4DD7-4FA5-8C70-0C747477B66C}" srcOrd="0" destOrd="0" presId="urn:microsoft.com/office/officeart/2005/8/layout/hProcess4"/>
+    <dgm:cxn modelId="{BF7E0427-1401-4A91-B67E-B5D2A233875D}" srcId="{F6D27D1B-CDCB-481F-B8FA-AB31B2A119DE}" destId="{A00D21AD-1968-42AF-BBAE-F174B43C0051}" srcOrd="2" destOrd="0" parTransId="{169E87C7-45C4-46DE-A100-DF3CDDB432E7}" sibTransId="{8CD07328-B1B5-4040-80E4-41C5276B649D}"/>
     <dgm:cxn modelId="{ECE9152A-59A8-4A3A-9D34-DB38A074F636}" srcId="{0E9DE493-19D7-4EC9-97C9-5F26233F1106}" destId="{58828492-5CEF-4AFE-95CB-5D7E6A18158B}" srcOrd="2" destOrd="0" parTransId="{F664BA43-1B81-496F-A04E-CE4B4A525697}" sibTransId="{2D386477-EC66-449A-8D41-5F8A212C3D8E}"/>
+    <dgm:cxn modelId="{257F5B30-7454-47CF-BC90-04E4C84E8BA8}" type="presOf" srcId="{58828492-5CEF-4AFE-95CB-5D7E6A18158B}" destId="{5A4B1F72-7052-4FA1-9321-423F2822C025}" srcOrd="0" destOrd="0" presId="urn:microsoft.com/office/officeart/2005/8/layout/hProcess4"/>
     <dgm:cxn modelId="{2D5B3E3B-3EE5-4072-933E-27DF5400591C}" srcId="{FB986F71-3126-4196-BD30-74AEDC39A1CA}" destId="{AB2E8498-CC81-452F-A895-08F3845AA347}" srcOrd="0" destOrd="0" parTransId="{4C65E2C8-0CBB-4D8C-AD60-6B0105C62B84}" sibTransId="{9A1F3304-AA9E-4FBC-89BA-9095C80E47C9}"/>
     <dgm:cxn modelId="{E33DA73B-C4A7-472D-88E9-D1B7FEC0C1F5}" type="presOf" srcId="{BF381BD4-48DC-48BF-8C18-C307CDD4D490}" destId="{BFE859F2-A9E8-4F95-9161-8EC68F2D30C4}" srcOrd="1" destOrd="1" presId="urn:microsoft.com/office/officeart/2005/8/layout/hProcess4"/>
-    <dgm:cxn modelId="{8B37FE40-D7C8-473A-9D2D-D33173B003E6}" type="presOf" srcId="{6E7DBE00-7E5B-46F8-BBA0-CF0079A58E82}" destId="{843715D2-C2C2-41EB-BDA3-21230FBA46DB}" srcOrd="1" destOrd="1" presId="urn:microsoft.com/office/officeart/2005/8/layout/hProcess4"/>
     <dgm:cxn modelId="{241A4F42-3815-4A3A-A31B-C5E11FFB5E6D}" type="presOf" srcId="{FB986F71-3126-4196-BD30-74AEDC39A1CA}" destId="{E18C6CF4-EDEB-4539-A36D-E0355B626199}" srcOrd="0" destOrd="0" presId="urn:microsoft.com/office/officeart/2005/8/layout/hProcess4"/>
     <dgm:cxn modelId="{402F9D43-6A91-4B87-83A0-426BC9CD76A6}" type="presOf" srcId="{0B00F5A8-A0EF-4111-9D86-004317B4F49E}" destId="{67FFE978-6FBE-4424-80BE-B9E4B4DD0695}" srcOrd="1" destOrd="0" presId="urn:microsoft.com/office/officeart/2005/8/layout/hProcess4"/>
+    <dgm:cxn modelId="{F68B456D-F382-4DF5-8830-F2807CAF9E53}" type="presOf" srcId="{A00D21AD-1968-42AF-BBAE-F174B43C0051}" destId="{67FFE978-6FBE-4424-80BE-B9E4B4DD0695}" srcOrd="1" destOrd="2" presId="urn:microsoft.com/office/officeart/2005/8/layout/hProcess4"/>
     <dgm:cxn modelId="{1423FC72-83C7-4510-8021-28EAEA493E68}" srcId="{0E9DE493-19D7-4EC9-97C9-5F26233F1106}" destId="{FB986F71-3126-4196-BD30-74AEDC39A1CA}" srcOrd="0" destOrd="0" parTransId="{9B3CE34A-9B3E-4D5F-94E0-DFBB94FF5A03}" sibTransId="{D0B150DF-3AA4-454C-8652-25880449C422}"/>
+    <dgm:cxn modelId="{D56E9456-246F-42EA-BCA1-908076F3A9BE}" type="presOf" srcId="{7C6CB6BF-9996-4A79-80DE-350C7EA4B5D9}" destId="{E83793B4-2C5C-4D90-82FA-E5EE4745664D}" srcOrd="0" destOrd="3" presId="urn:microsoft.com/office/officeart/2005/8/layout/hProcess4"/>
     <dgm:cxn modelId="{4143D757-8617-4C89-8322-E3B29A1874AF}" srcId="{58828492-5CEF-4AFE-95CB-5D7E6A18158B}" destId="{68838C34-4D02-49F8-ADD7-BFA90D87B7EA}" srcOrd="0" destOrd="0" parTransId="{F2AD00AD-6A23-4C89-A107-68EF5D1F0B94}" sibTransId="{FFC4FCE7-6F2F-4F91-A74A-7C4C32A81657}"/>
-    <dgm:cxn modelId="{E1602188-B573-41FF-9095-7B40F9CA44C2}" type="presOf" srcId="{6E7DBE00-7E5B-46F8-BBA0-CF0079A58E82}" destId="{69C28D3B-E083-42DF-9EA0-916CA12125A9}" srcOrd="0" destOrd="1" presId="urn:microsoft.com/office/officeart/2005/8/layout/hProcess4"/>
+    <dgm:cxn modelId="{23435688-C118-4D3D-8201-EA117494D15A}" type="presOf" srcId="{7C6CB6BF-9996-4A79-80DE-350C7EA4B5D9}" destId="{67FFE978-6FBE-4424-80BE-B9E4B4DD0695}" srcOrd="1" destOrd="3" presId="urn:microsoft.com/office/officeart/2005/8/layout/hProcess4"/>
     <dgm:cxn modelId="{550EC38B-566A-4081-A7BE-0E49BE02764D}" type="presOf" srcId="{AB2E8498-CC81-452F-A895-08F3845AA347}" destId="{BFE859F2-A9E8-4F95-9161-8EC68F2D30C4}" srcOrd="1" destOrd="0" presId="urn:microsoft.com/office/officeart/2005/8/layout/hProcess4"/>
+    <dgm:cxn modelId="{15FF939D-8FA7-4110-95B8-7D6F840447D6}" type="presOf" srcId="{F06F8161-71B5-4323-89BF-C3EE45CE4CA1}" destId="{67FFE978-6FBE-4424-80BE-B9E4B4DD0695}" srcOrd="1" destOrd="1" presId="urn:microsoft.com/office/officeart/2005/8/layout/hProcess4"/>
     <dgm:cxn modelId="{A63D53AC-541A-4D09-9620-8B1C8D7B91DE}" srcId="{0E9DE493-19D7-4EC9-97C9-5F26233F1106}" destId="{F6D27D1B-CDCB-481F-B8FA-AB31B2A119DE}" srcOrd="1" destOrd="0" parTransId="{8A7BF306-8E53-4B16-9E7E-A79AE3DF6BE2}" sibTransId="{7AEB6639-3258-49E8-8B1F-B4A9C61922BE}"/>
     <dgm:cxn modelId="{4E74EABF-20DE-46D5-9BE9-0F84CEAF66AB}" type="presOf" srcId="{D0B150DF-3AA4-454C-8652-25880449C422}" destId="{6A63D16E-EEE6-4267-97EA-5AD7D2BC4E84}" srcOrd="0" destOrd="0" presId="urn:microsoft.com/office/officeart/2005/8/layout/hProcess4"/>
     <dgm:cxn modelId="{95276BC3-D2A9-422F-9390-BED3FD8C7BB0}" type="presOf" srcId="{0E9DE493-19D7-4EC9-97C9-5F26233F1106}" destId="{3960CFF8-4383-4382-8D6D-F2A00F508E8D}" srcOrd="0" destOrd="0" presId="urn:microsoft.com/office/officeart/2005/8/layout/hProcess4"/>
-    <dgm:cxn modelId="{7EBBAEC4-0282-4F3E-860C-A6A26E3998F2}" type="presOf" srcId="{65B6D8B9-E558-4264-B37F-7B4B2A8896DF}" destId="{E83793B4-2C5C-4D90-82FA-E5EE4745664D}" srcOrd="0" destOrd="1" presId="urn:microsoft.com/office/officeart/2005/8/layout/hProcess4"/>
-    <dgm:cxn modelId="{90D5F6C6-4E25-4C59-9DF6-6E2B25A59F46}" type="presOf" srcId="{68838C34-4D02-49F8-ADD7-BFA90D87B7EA}" destId="{69C28D3B-E083-42DF-9EA0-916CA12125A9}" srcOrd="0" destOrd="0" presId="urn:microsoft.com/office/officeart/2005/8/layout/hProcess4"/>
     <dgm:cxn modelId="{5F9EDECD-FB20-4615-B5EC-47255B2B532F}" srcId="{FB986F71-3126-4196-BD30-74AEDC39A1CA}" destId="{BF381BD4-48DC-48BF-8C18-C307CDD4D490}" srcOrd="1" destOrd="0" parTransId="{5D881325-883F-44A1-A5FB-E01856D07A5B}" sibTransId="{2C645F98-BC4B-4797-BC42-0872EA7B0575}"/>
-    <dgm:cxn modelId="{A507C8D3-A0BB-44E4-82F7-15D18D34238D}" type="presOf" srcId="{68838C34-4D02-49F8-ADD7-BFA90D87B7EA}" destId="{843715D2-C2C2-41EB-BDA3-21230FBA46DB}" srcOrd="1" destOrd="0" presId="urn:microsoft.com/office/officeart/2005/8/layout/hProcess4"/>
-    <dgm:cxn modelId="{FA45DADE-266F-4B82-B02F-D2732D8D9F51}" type="presOf" srcId="{58828492-5CEF-4AFE-95CB-5D7E6A18158B}" destId="{047F5837-10E2-4FFC-A492-DB8A19EF48CA}" srcOrd="0" destOrd="0" presId="urn:microsoft.com/office/officeart/2005/8/layout/hProcess4"/>
+    <dgm:cxn modelId="{F05B73DC-00A2-4C88-B401-6443E03A2148}" type="presOf" srcId="{A00D21AD-1968-42AF-BBAE-F174B43C0051}" destId="{E83793B4-2C5C-4D90-82FA-E5EE4745664D}" srcOrd="0" destOrd="2" presId="urn:microsoft.com/office/officeart/2005/8/layout/hProcess4"/>
+    <dgm:cxn modelId="{24A5DFDF-2102-4CEE-855F-F3AE99D935F7}" type="presOf" srcId="{6E7DBE00-7E5B-46F8-BBA0-CF0079A58E82}" destId="{FA58BAB6-E970-457C-8197-2BA1448CD0F8}" srcOrd="0" destOrd="1" presId="urn:microsoft.com/office/officeart/2005/8/layout/hProcess4"/>
+    <dgm:cxn modelId="{A4F6EAE3-FA1A-45A2-922C-407B3924AA36}" srcId="{F6D27D1B-CDCB-481F-B8FA-AB31B2A119DE}" destId="{7C6CB6BF-9996-4A79-80DE-350C7EA4B5D9}" srcOrd="3" destOrd="0" parTransId="{1964A0F3-9761-4AAC-9065-4C52CE5AF5E2}" sibTransId="{A4BC6DC0-E949-46DC-8991-5F2CBA18D24F}"/>
     <dgm:cxn modelId="{3D080EE7-BDF0-495B-A4FB-103A296CD73B}" srcId="{58828492-5CEF-4AFE-95CB-5D7E6A18158B}" destId="{6E7DBE00-7E5B-46F8-BBA0-CF0079A58E82}" srcOrd="1" destOrd="0" parTransId="{6FAC7821-43C2-4A12-9638-E9B1BDE7C8D8}" sibTransId="{65147ED7-18A4-49A5-9AEE-066FB0363316}"/>
     <dgm:cxn modelId="{86F910E7-C9D0-48E5-A3A3-C70127E96FC1}" srcId="{F6D27D1B-CDCB-481F-B8FA-AB31B2A119DE}" destId="{0B00F5A8-A0EF-4111-9D86-004317B4F49E}" srcOrd="0" destOrd="0" parTransId="{EC916B99-8D26-4265-B7BE-BB461C68DA5C}" sibTransId="{CE48C676-980A-4BAC-A3C8-9ABC315DAE51}"/>
-    <dgm:cxn modelId="{835CA1EF-8C73-4A92-AB14-7F18CFCB3BBE}" type="presOf" srcId="{65B6D8B9-E558-4264-B37F-7B4B2A8896DF}" destId="{67FFE978-6FBE-4424-80BE-B9E4B4DD0695}" srcOrd="1" destOrd="1" presId="urn:microsoft.com/office/officeart/2005/8/layout/hProcess4"/>
+    <dgm:cxn modelId="{F53CA4EA-E5E3-4AAF-AD37-1BB06C612330}" type="presOf" srcId="{F06F8161-71B5-4323-89BF-C3EE45CE4CA1}" destId="{E83793B4-2C5C-4D90-82FA-E5EE4745664D}" srcOrd="0" destOrd="1" presId="urn:microsoft.com/office/officeart/2005/8/layout/hProcess4"/>
+    <dgm:cxn modelId="{616ACAED-C8C8-4CCB-8DF9-DAF23EB34689}" type="presOf" srcId="{68838C34-4D02-49F8-ADD7-BFA90D87B7EA}" destId="{C9799975-E960-4DE6-8A82-E6F9A0CDE4AD}" srcOrd="1" destOrd="0" presId="urn:microsoft.com/office/officeart/2005/8/layout/hProcess4"/>
     <dgm:cxn modelId="{FCC960F1-FFDB-446D-9C7D-06DB34FE036C}" type="presOf" srcId="{BF381BD4-48DC-48BF-8C18-C307CDD4D490}" destId="{96015622-8A46-45CF-A72A-2856B699B374}" srcOrd="0" destOrd="1" presId="urn:microsoft.com/office/officeart/2005/8/layout/hProcess4"/>
+    <dgm:cxn modelId="{901B41F3-0C21-45B7-8E4D-D7800F470FB1}" type="presOf" srcId="{68838C34-4D02-49F8-ADD7-BFA90D87B7EA}" destId="{FA58BAB6-E970-457C-8197-2BA1448CD0F8}" srcOrd="0" destOrd="0" presId="urn:microsoft.com/office/officeart/2005/8/layout/hProcess4"/>
     <dgm:cxn modelId="{732F9AFA-01BF-4C18-A659-D951BF9FC05D}" type="presOf" srcId="{AB2E8498-CC81-452F-A895-08F3845AA347}" destId="{96015622-8A46-45CF-A72A-2856B699B374}" srcOrd="0" destOrd="0" presId="urn:microsoft.com/office/officeart/2005/8/layout/hProcess4"/>
     <dgm:cxn modelId="{E95209FE-82B0-40EF-AFE6-D8CCCCEA50E1}" type="presOf" srcId="{7AEB6639-3258-49E8-8B1F-B4A9C61922BE}" destId="{DC2A0ADB-DCE3-4BF4-9952-0394865777AC}" srcOrd="0" destOrd="0" presId="urn:microsoft.com/office/officeart/2005/8/layout/hProcess4"/>
     <dgm:cxn modelId="{89F19664-F574-44B4-924E-3D107B743F23}" type="presParOf" srcId="{3960CFF8-4383-4382-8D6D-F2A00F508E8D}" destId="{366CFF54-5C8F-47F9-BFD8-D9AF3EADDA3E}" srcOrd="0" destOrd="0" presId="urn:microsoft.com/office/officeart/2005/8/layout/hProcess4"/>
@@ -1422,12 +1499,12 @@
     <dgm:cxn modelId="{9DE711C0-DAD0-490A-8F9F-84EFF58B67F2}" type="presParOf" srcId="{59BAED1E-A4FE-4FA3-8716-57917AF47F38}" destId="{029D1FDE-4DD7-4FA5-8C70-0C747477B66C}" srcOrd="3" destOrd="0" presId="urn:microsoft.com/office/officeart/2005/8/layout/hProcess4"/>
     <dgm:cxn modelId="{7E60F800-B699-4C90-AE8B-FFA3C1DBAC2A}" type="presParOf" srcId="{59BAED1E-A4FE-4FA3-8716-57917AF47F38}" destId="{C2556EF6-41FF-46C6-8829-911BFA533FFE}" srcOrd="4" destOrd="0" presId="urn:microsoft.com/office/officeart/2005/8/layout/hProcess4"/>
     <dgm:cxn modelId="{15EEC923-9DD9-45F9-B1CE-E90ADC8BB3B2}" type="presParOf" srcId="{224851B6-C14D-49DE-883B-A13003DA4601}" destId="{DC2A0ADB-DCE3-4BF4-9952-0394865777AC}" srcOrd="3" destOrd="0" presId="urn:microsoft.com/office/officeart/2005/8/layout/hProcess4"/>
-    <dgm:cxn modelId="{F83CC031-B411-4234-8023-6E45E782DC1B}" type="presParOf" srcId="{224851B6-C14D-49DE-883B-A13003DA4601}" destId="{A874A3A3-A340-4ABC-99B5-7529D4415335}" srcOrd="4" destOrd="0" presId="urn:microsoft.com/office/officeart/2005/8/layout/hProcess4"/>
-    <dgm:cxn modelId="{7B362966-E9AB-40B9-8761-1F07E738ED93}" type="presParOf" srcId="{A874A3A3-A340-4ABC-99B5-7529D4415335}" destId="{14032C0B-60AE-432B-A713-F993D1C4BA8F}" srcOrd="0" destOrd="0" presId="urn:microsoft.com/office/officeart/2005/8/layout/hProcess4"/>
-    <dgm:cxn modelId="{7577A14F-C73F-4E1A-8760-544ED1967544}" type="presParOf" srcId="{A874A3A3-A340-4ABC-99B5-7529D4415335}" destId="{69C28D3B-E083-42DF-9EA0-916CA12125A9}" srcOrd="1" destOrd="0" presId="urn:microsoft.com/office/officeart/2005/8/layout/hProcess4"/>
-    <dgm:cxn modelId="{1637F8A1-F9FA-4AC7-AA80-AC52DBF6427F}" type="presParOf" srcId="{A874A3A3-A340-4ABC-99B5-7529D4415335}" destId="{843715D2-C2C2-41EB-BDA3-21230FBA46DB}" srcOrd="2" destOrd="0" presId="urn:microsoft.com/office/officeart/2005/8/layout/hProcess4"/>
-    <dgm:cxn modelId="{C3A1CE6A-C0A2-460E-AEC5-91898FCAB7C6}" type="presParOf" srcId="{A874A3A3-A340-4ABC-99B5-7529D4415335}" destId="{047F5837-10E2-4FFC-A492-DB8A19EF48CA}" srcOrd="3" destOrd="0" presId="urn:microsoft.com/office/officeart/2005/8/layout/hProcess4"/>
-    <dgm:cxn modelId="{B0B35EFC-EC0D-408D-96C0-AAE23E559E96}" type="presParOf" srcId="{A874A3A3-A340-4ABC-99B5-7529D4415335}" destId="{7D6A154D-27BB-4CCE-9250-BCDD2CD5C383}" srcOrd="4" destOrd="0" presId="urn:microsoft.com/office/officeart/2005/8/layout/hProcess4"/>
+    <dgm:cxn modelId="{98A652CA-BD48-4DBF-8CEA-BC2D638CFB6C}" type="presParOf" srcId="{224851B6-C14D-49DE-883B-A13003DA4601}" destId="{F73DA82F-EA18-4CF3-BD6C-530C54BB2EDD}" srcOrd="4" destOrd="0" presId="urn:microsoft.com/office/officeart/2005/8/layout/hProcess4"/>
+    <dgm:cxn modelId="{0E47B057-C855-461B-A2EF-52E177CFBCBC}" type="presParOf" srcId="{F73DA82F-EA18-4CF3-BD6C-530C54BB2EDD}" destId="{0225E57A-5D5D-4EF5-88A2-F4BC79AFFF7F}" srcOrd="0" destOrd="0" presId="urn:microsoft.com/office/officeart/2005/8/layout/hProcess4"/>
+    <dgm:cxn modelId="{B8E877C6-B5E9-43B4-8BBE-392DA4771125}" type="presParOf" srcId="{F73DA82F-EA18-4CF3-BD6C-530C54BB2EDD}" destId="{FA58BAB6-E970-457C-8197-2BA1448CD0F8}" srcOrd="1" destOrd="0" presId="urn:microsoft.com/office/officeart/2005/8/layout/hProcess4"/>
+    <dgm:cxn modelId="{63FB7D80-1A2C-4D33-AE3F-CFEDF0420D79}" type="presParOf" srcId="{F73DA82F-EA18-4CF3-BD6C-530C54BB2EDD}" destId="{C9799975-E960-4DE6-8A82-E6F9A0CDE4AD}" srcOrd="2" destOrd="0" presId="urn:microsoft.com/office/officeart/2005/8/layout/hProcess4"/>
+    <dgm:cxn modelId="{F9A5340C-2990-4CA5-8ADF-DD8F0F45C5EB}" type="presParOf" srcId="{F73DA82F-EA18-4CF3-BD6C-530C54BB2EDD}" destId="{5A4B1F72-7052-4FA1-9321-423F2822C025}" srcOrd="3" destOrd="0" presId="urn:microsoft.com/office/officeart/2005/8/layout/hProcess4"/>
+    <dgm:cxn modelId="{7B8938CD-5204-4E2D-978F-773133BA9004}" type="presParOf" srcId="{F73DA82F-EA18-4CF3-BD6C-530C54BB2EDD}" destId="{AD1F2947-BDF0-42B4-BB5E-326BC6D6D6B6}" srcOrd="4" destOrd="0" presId="urn:microsoft.com/office/officeart/2005/8/layout/hProcess4"/>
   </dgm:cxnLst>
   <dgm:bg/>
   <dgm:whole/>
@@ -1498,12 +1575,12 @@
         <a:fontRef idx="minor"/>
       </dsp:style>
       <dsp:txBody>
-        <a:bodyPr spcFirstLastPara="0" vert="horz" wrap="square" lIns="45720" tIns="45720" rIns="45720" bIns="45720" numCol="1" spcCol="1270" anchor="t" anchorCtr="0">
+        <a:bodyPr spcFirstLastPara="0" vert="horz" wrap="square" lIns="41910" tIns="41910" rIns="41910" bIns="41910" numCol="1" spcCol="1270" anchor="t" anchorCtr="0">
           <a:noAutofit/>
         </a:bodyPr>
         <a:lstStyle/>
         <a:p>
-          <a:pPr marL="228600" lvl="1" indent="-228600" algn="l" defTabSz="1066800">
+          <a:pPr marL="228600" lvl="1" indent="-228600" algn="l" defTabSz="977900">
             <a:lnSpc>
               <a:spcPct val="90000"/>
             </a:lnSpc>
@@ -1516,12 +1593,12 @@
             <a:buChar char="•"/>
           </a:pPr>
           <a:r>
-            <a:rPr lang="en-US" sz="2400" kern="1200" dirty="0"/>
-            <a:t>Task description</a:t>
+            <a:rPr lang="en-US" sz="2200" kern="1200" dirty="0"/>
+            <a:t>JavaScript</a:t>
           </a:r>
         </a:p>
         <a:p>
-          <a:pPr marL="228600" lvl="1" indent="-228600" algn="l" defTabSz="1066800">
+          <a:pPr marL="228600" lvl="1" indent="-228600" algn="l" defTabSz="977900">
             <a:lnSpc>
               <a:spcPct val="90000"/>
             </a:lnSpc>
@@ -1534,8 +1611,8 @@
             <a:buChar char="•"/>
           </a:pPr>
           <a:r>
-            <a:rPr lang="en-US" sz="2400" kern="1200" dirty="0"/>
-            <a:t>Task description</a:t>
+            <a:rPr lang="en-US" sz="2200" kern="1200" dirty="0"/>
+            <a:t>CSS</a:t>
           </a:r>
         </a:p>
       </dsp:txBody>
@@ -1644,12 +1721,12 @@
         </a:fontRef>
       </dsp:style>
       <dsp:txBody>
-        <a:bodyPr spcFirstLastPara="0" vert="horz" wrap="square" lIns="62865" tIns="41910" rIns="62865" bIns="41910" numCol="1" spcCol="1270" anchor="ctr" anchorCtr="0">
+        <a:bodyPr spcFirstLastPara="0" vert="horz" wrap="square" lIns="72390" tIns="48260" rIns="72390" bIns="48260" numCol="1" spcCol="1270" anchor="ctr" anchorCtr="0">
           <a:noAutofit/>
         </a:bodyPr>
         <a:lstStyle/>
         <a:p>
-          <a:pPr marL="0" lvl="0" indent="0" algn="ctr" defTabSz="1466850">
+          <a:pPr marL="0" lvl="0" indent="0" algn="ctr" defTabSz="1689100">
             <a:lnSpc>
               <a:spcPct val="90000"/>
             </a:lnSpc>
@@ -1662,8 +1739,8 @@
             <a:buNone/>
           </a:pPr>
           <a:r>
-            <a:rPr lang="en-US" sz="3300" kern="1200" dirty="0"/>
-            <a:t>Step 1 Title</a:t>
+            <a:rPr lang="en-US" sz="3800" kern="1200" dirty="0"/>
+            <a:t>Front End </a:t>
           </a:r>
         </a:p>
       </dsp:txBody>
@@ -1723,12 +1800,12 @@
         <a:fontRef idx="minor"/>
       </dsp:style>
       <dsp:txBody>
-        <a:bodyPr spcFirstLastPara="0" vert="horz" wrap="square" lIns="45720" tIns="45720" rIns="45720" bIns="45720" numCol="1" spcCol="1270" anchor="t" anchorCtr="0">
+        <a:bodyPr spcFirstLastPara="0" vert="horz" wrap="square" lIns="41910" tIns="41910" rIns="41910" bIns="41910" numCol="1" spcCol="1270" anchor="t" anchorCtr="0">
           <a:noAutofit/>
         </a:bodyPr>
         <a:lstStyle/>
         <a:p>
-          <a:pPr marL="228600" lvl="1" indent="-228600" algn="l" defTabSz="1066800">
+          <a:pPr marL="228600" lvl="1" indent="-228600" algn="l" defTabSz="977900">
             <a:lnSpc>
               <a:spcPct val="90000"/>
             </a:lnSpc>
@@ -1741,12 +1818,12 @@
             <a:buChar char="•"/>
           </a:pPr>
           <a:r>
-            <a:rPr lang="en-US" sz="2400" kern="1200" dirty="0"/>
-            <a:t>Task description</a:t>
+            <a:rPr lang="en-US" sz="2200" kern="1200" dirty="0"/>
+            <a:t>Java </a:t>
           </a:r>
         </a:p>
         <a:p>
-          <a:pPr marL="228600" lvl="1" indent="-228600" algn="l" defTabSz="1066800">
+          <a:pPr marL="228600" lvl="1" indent="-228600" algn="l" defTabSz="977900">
             <a:lnSpc>
               <a:spcPct val="90000"/>
             </a:lnSpc>
@@ -1759,8 +1836,44 @@
             <a:buChar char="•"/>
           </a:pPr>
           <a:r>
-            <a:rPr lang="en-US" sz="2400" kern="1200" dirty="0"/>
-            <a:t>Task description</a:t>
+            <a:rPr lang="en-US" sz="2200" kern="1200" dirty="0"/>
+            <a:t>Spring</a:t>
+          </a:r>
+        </a:p>
+        <a:p>
+          <a:pPr marL="228600" lvl="1" indent="-228600" algn="l" defTabSz="977900">
+            <a:lnSpc>
+              <a:spcPct val="90000"/>
+            </a:lnSpc>
+            <a:spcBef>
+              <a:spcPct val="0"/>
+            </a:spcBef>
+            <a:spcAft>
+              <a:spcPct val="15000"/>
+            </a:spcAft>
+            <a:buChar char="•"/>
+          </a:pPr>
+          <a:r>
+            <a:rPr lang="en-US" sz="2200" kern="1200" dirty="0"/>
+            <a:t>JPA</a:t>
+          </a:r>
+        </a:p>
+        <a:p>
+          <a:pPr marL="228600" lvl="1" indent="-228600" algn="l" defTabSz="977900">
+            <a:lnSpc>
+              <a:spcPct val="90000"/>
+            </a:lnSpc>
+            <a:spcBef>
+              <a:spcPct val="0"/>
+            </a:spcBef>
+            <a:spcAft>
+              <a:spcPct val="15000"/>
+            </a:spcAft>
+            <a:buChar char="•"/>
+          </a:pPr>
+          <a:r>
+            <a:rPr lang="en-US" sz="2200" kern="1200" dirty="0"/>
+            <a:t>Junit Testing</a:t>
           </a:r>
         </a:p>
       </dsp:txBody>
@@ -1869,12 +1982,12 @@
         </a:fontRef>
       </dsp:style>
       <dsp:txBody>
-        <a:bodyPr spcFirstLastPara="0" vert="horz" wrap="square" lIns="62865" tIns="41910" rIns="62865" bIns="41910" numCol="1" spcCol="1270" anchor="ctr" anchorCtr="0">
+        <a:bodyPr spcFirstLastPara="0" vert="horz" wrap="square" lIns="72390" tIns="48260" rIns="72390" bIns="48260" numCol="1" spcCol="1270" anchor="ctr" anchorCtr="0">
           <a:noAutofit/>
         </a:bodyPr>
         <a:lstStyle/>
         <a:p>
-          <a:pPr marL="0" lvl="0" indent="0" algn="ctr" defTabSz="1466850">
+          <a:pPr marL="0" lvl="0" indent="0" algn="ctr" defTabSz="1689100">
             <a:lnSpc>
               <a:spcPct val="90000"/>
             </a:lnSpc>
@@ -1887,8 +2000,8 @@
             <a:buNone/>
           </a:pPr>
           <a:r>
-            <a:rPr lang="en-US" sz="3300" kern="1200" dirty="0"/>
-            <a:t>Step 2 Title</a:t>
+            <a:rPr lang="en-US" sz="3800" kern="1200" dirty="0"/>
+            <a:t>Back End </a:t>
           </a:r>
         </a:p>
       </dsp:txBody>
@@ -1897,7 +2010,7 @@
         <a:ext cx="2122325" cy="813490"/>
       </dsp:txXfrm>
     </dsp:sp>
-    <dsp:sp modelId="{69C28D3B-E083-42DF-9EA0-916CA12125A9}">
+    <dsp:sp modelId="{FA58BAB6-E970-457C-8197-2BA1448CD0F8}">
       <dsp:nvSpPr>
         <dsp:cNvPr id="0" name=""/>
         <dsp:cNvSpPr/>
@@ -1948,12 +2061,12 @@
         <a:fontRef idx="minor"/>
       </dsp:style>
       <dsp:txBody>
-        <a:bodyPr spcFirstLastPara="0" vert="horz" wrap="square" lIns="45720" tIns="45720" rIns="45720" bIns="45720" numCol="1" spcCol="1270" anchor="t" anchorCtr="0">
+        <a:bodyPr spcFirstLastPara="0" vert="horz" wrap="square" lIns="41910" tIns="41910" rIns="41910" bIns="41910" numCol="1" spcCol="1270" anchor="t" anchorCtr="0">
           <a:noAutofit/>
         </a:bodyPr>
         <a:lstStyle/>
         <a:p>
-          <a:pPr marL="228600" lvl="1" indent="-228600" algn="l" defTabSz="1066800">
+          <a:pPr marL="228600" lvl="1" indent="-228600" algn="l" defTabSz="977900">
             <a:lnSpc>
               <a:spcPct val="90000"/>
             </a:lnSpc>
@@ -1966,13 +2079,12 @@
             <a:buChar char="•"/>
           </a:pPr>
           <a:r>
-            <a:rPr lang="en-US" sz="2400" kern="1200"/>
-            <a:t>Task description</a:t>
+            <a:rPr lang="en-US" sz="2200" kern="1200" dirty="0"/>
+            <a:t>MySQL</a:t>
           </a:r>
-          <a:endParaRPr lang="en-US" sz="2400" kern="1200" dirty="0"/>
         </a:p>
         <a:p>
-          <a:pPr marL="228600" lvl="1" indent="-228600" algn="l" defTabSz="1066800">
+          <a:pPr marL="228600" lvl="1" indent="-228600" algn="l" defTabSz="977900">
             <a:lnSpc>
               <a:spcPct val="90000"/>
             </a:lnSpc>
@@ -1985,8 +2097,8 @@
             <a:buChar char="•"/>
           </a:pPr>
           <a:r>
-            <a:rPr lang="en-US" sz="2400" kern="1200" dirty="0"/>
-            <a:t>Task description</a:t>
+            <a:rPr lang="en-US" sz="2200" kern="1200" dirty="0"/>
+            <a:t>PHP admin</a:t>
           </a:r>
         </a:p>
       </dsp:txBody>
@@ -1995,7 +2107,7 @@
         <a:ext cx="2351761" cy="1491398"/>
       </dsp:txXfrm>
     </dsp:sp>
-    <dsp:sp modelId="{047F5837-10E2-4FFC-A492-DB8A19EF48CA}">
+    <dsp:sp modelId="{5A4B1F72-7052-4FA1-9321-423F2822C025}">
       <dsp:nvSpPr>
         <dsp:cNvPr id="0" name=""/>
         <dsp:cNvSpPr/>
@@ -2047,12 +2159,12 @@
         </a:fontRef>
       </dsp:style>
       <dsp:txBody>
-        <a:bodyPr spcFirstLastPara="0" vert="horz" wrap="square" lIns="62865" tIns="41910" rIns="62865" bIns="41910" numCol="1" spcCol="1270" anchor="ctr" anchorCtr="0">
+        <a:bodyPr spcFirstLastPara="0" vert="horz" wrap="square" lIns="72390" tIns="48260" rIns="72390" bIns="48260" numCol="1" spcCol="1270" anchor="ctr" anchorCtr="0">
           <a:noAutofit/>
         </a:bodyPr>
         <a:lstStyle/>
         <a:p>
-          <a:pPr marL="0" lvl="0" indent="0" algn="ctr" defTabSz="1466850">
+          <a:pPr marL="0" lvl="0" indent="0" algn="ctr" defTabSz="1689100">
             <a:lnSpc>
               <a:spcPct val="90000"/>
             </a:lnSpc>
@@ -2065,8 +2177,8 @@
             <a:buNone/>
           </a:pPr>
           <a:r>
-            <a:rPr lang="en-US" sz="3300" kern="1200" dirty="0"/>
-            <a:t>Step 3 Title</a:t>
+            <a:rPr lang="en-US" sz="3800" kern="1200" dirty="0"/>
+            <a:t>Database</a:t>
           </a:r>
         </a:p>
       </dsp:txBody>
@@ -8339,14 +8451,20 @@
           <a:p>
             <a:r>
               <a:rPr lang="en-US" dirty="0"/>
-              <a:t>Two Content Layout with Table</a:t>
+              <a:t>LIFE CYCLE </a:t>
             </a:r>
           </a:p>
         </p:txBody>
       </p:sp>
       <p:sp>
         <p:nvSpPr>
-          <p:cNvPr id="3" name="Content Placeholder 2"/>
+          <p:cNvPr id="7" name="Content Placeholder 6">
+            <a:extLst>
+              <a:ext uri="{FF2B5EF4-FFF2-40B4-BE49-F238E27FC236}">
+                <a16:creationId xmlns:a16="http://schemas.microsoft.com/office/drawing/2014/main" id="{44BF7E0F-F221-457E-B7BB-E49928FC19B2}"/>
+              </a:ext>
+            </a:extLst>
+          </p:cNvPr>
           <p:cNvSpPr>
             <a:spLocks noGrp="1"/>
           </p:cNvSpPr>
@@ -8354,280 +8472,71 @@
             <p:ph sz="half" idx="1"/>
           </p:nvPr>
         </p:nvSpPr>
-        <p:spPr/>
+        <p:spPr>
+          <a:xfrm>
+            <a:off x="1504781" y="1905000"/>
+            <a:ext cx="8118023" cy="4116287"/>
+          </a:xfrm>
+        </p:spPr>
         <p:txBody>
           <a:bodyPr/>
           <a:lstStyle/>
           <a:p>
             <a:r>
-              <a:rPr lang="en-US"/>
-              <a:t>First bullet point here</a:t>
+              <a:rPr lang="en-GB" dirty="0"/>
+              <a:t>Scrum Meetings </a:t>
             </a:r>
           </a:p>
           <a:p>
+            <a:pPr lvl="1"/>
             <a:r>
-              <a:rPr lang="en-US"/>
-              <a:t>Second bullet point here</a:t>
+              <a:rPr lang="en-GB" dirty="0"/>
+              <a:t>Roles and Tasks</a:t>
             </a:r>
           </a:p>
           <a:p>
+            <a:pPr lvl="1"/>
             <a:r>
-              <a:rPr lang="en-US"/>
-              <a:t>Third bullet point here</a:t>
+              <a:rPr lang="en-GB" dirty="0"/>
+              <a:t>Database Development</a:t>
             </a:r>
-            <a:endParaRPr lang="en-US" dirty="0"/>
+          </a:p>
+          <a:p>
+            <a:pPr lvl="1"/>
+            <a:r>
+              <a:rPr lang="en-GB" dirty="0"/>
+              <a:t>Presentation Planning</a:t>
+            </a:r>
+          </a:p>
+          <a:p>
+            <a:r>
+              <a:rPr lang="en-GB" sz="2200" dirty="0"/>
+              <a:t>Sprint Lengths</a:t>
+            </a:r>
+          </a:p>
+          <a:p>
+            <a:pPr lvl="1"/>
+            <a:r>
+              <a:rPr lang="en-GB" sz="1800" dirty="0"/>
+              <a:t>Sprint lengths were a couple of hours</a:t>
+            </a:r>
+          </a:p>
+          <a:p>
+            <a:r>
+              <a:rPr lang="en-GB" sz="2200" dirty="0"/>
+              <a:t>Road Blocks</a:t>
+            </a:r>
+            <a:endParaRPr lang="en-GB" sz="1800" dirty="0"/>
+          </a:p>
+          <a:p>
+            <a:pPr lvl="1"/>
+            <a:r>
+              <a:rPr lang="en-GB" sz="1800" dirty="0"/>
+              <a:t>Limitations and Extenuating circumstances</a:t>
+            </a:r>
           </a:p>
         </p:txBody>
       </p:sp>
-      <p:graphicFrame>
-        <p:nvGraphicFramePr>
-          <p:cNvPr id="9" name="Content Placeholder 8"/>
-          <p:cNvGraphicFramePr>
-            <a:graphicFrameLocks noGrp="1"/>
-          </p:cNvGraphicFramePr>
-          <p:nvPr>
-            <p:ph sz="half" idx="2"/>
-            <p:extLst>
-              <p:ext uri="{D42A27DB-BD31-4B8C-83A1-F6EECF244321}">
-                <p14:modId xmlns:p14="http://schemas.microsoft.com/office/powerpoint/2010/main" val="654082240"/>
-              </p:ext>
-            </p:extLst>
-          </p:nvPr>
-        </p:nvGraphicFramePr>
-        <p:xfrm>
-          <a:off x="6229350" y="1905000"/>
-          <a:ext cx="4419600" cy="2057400"/>
-        </p:xfrm>
-        <a:graphic>
-          <a:graphicData uri="http://schemas.openxmlformats.org/drawingml/2006/table">
-            <a:tbl>
-              <a:tblPr firstRow="1" bandRow="1">
-                <a:tableStyleId>{073A0DAA-6AF3-43AB-8588-CEC1D06C72B9}</a:tableStyleId>
-              </a:tblPr>
-              <a:tblGrid>
-                <a:gridCol w="1473200">
-                  <a:extLst>
-                    <a:ext uri="{9D8B030D-6E8A-4147-A177-3AD203B41FA5}">
-                      <a16:colId xmlns:a16="http://schemas.microsoft.com/office/drawing/2014/main" val="20000"/>
-                    </a:ext>
-                  </a:extLst>
-                </a:gridCol>
-                <a:gridCol w="1473200">
-                  <a:extLst>
-                    <a:ext uri="{9D8B030D-6E8A-4147-A177-3AD203B41FA5}">
-                      <a16:colId xmlns:a16="http://schemas.microsoft.com/office/drawing/2014/main" val="20001"/>
-                    </a:ext>
-                  </a:extLst>
-                </a:gridCol>
-                <a:gridCol w="1473200">
-                  <a:extLst>
-                    <a:ext uri="{9D8B030D-6E8A-4147-A177-3AD203B41FA5}">
-                      <a16:colId xmlns:a16="http://schemas.microsoft.com/office/drawing/2014/main" val="20002"/>
-                    </a:ext>
-                  </a:extLst>
-                </a:gridCol>
-              </a:tblGrid>
-              <a:tr h="514350">
-                <a:tc>
-                  <a:txBody>
-                    <a:bodyPr/>
-                    <a:lstStyle/>
-                    <a:p>
-                      <a:r>
-                        <a:rPr lang="en-US" dirty="0"/>
-                        <a:t>Class</a:t>
-                      </a:r>
-                    </a:p>
-                  </a:txBody>
-                  <a:tcPr anchor="ctr"/>
-                </a:tc>
-                <a:tc>
-                  <a:txBody>
-                    <a:bodyPr/>
-                    <a:lstStyle/>
-                    <a:p>
-                      <a:pPr algn="ctr"/>
-                      <a:r>
-                        <a:rPr lang="en-US" dirty="0"/>
-                        <a:t>Group 1</a:t>
-                      </a:r>
-                    </a:p>
-                  </a:txBody>
-                  <a:tcPr anchor="ctr"/>
-                </a:tc>
-                <a:tc>
-                  <a:txBody>
-                    <a:bodyPr/>
-                    <a:lstStyle/>
-                    <a:p>
-                      <a:pPr algn="ctr"/>
-                      <a:r>
-                        <a:rPr lang="en-US" dirty="0"/>
-                        <a:t>Group 2</a:t>
-                      </a:r>
-                    </a:p>
-                  </a:txBody>
-                  <a:tcPr anchor="ctr"/>
-                </a:tc>
-                <a:extLst>
-                  <a:ext uri="{0D108BD9-81ED-4DB2-BD59-A6C34878D82A}">
-                    <a16:rowId xmlns:a16="http://schemas.microsoft.com/office/drawing/2014/main" val="10000"/>
-                  </a:ext>
-                </a:extLst>
-              </a:tr>
-              <a:tr h="514350">
-                <a:tc>
-                  <a:txBody>
-                    <a:bodyPr/>
-                    <a:lstStyle/>
-                    <a:p>
-                      <a:r>
-                        <a:rPr lang="en-US" dirty="0"/>
-                        <a:t>Class 1</a:t>
-                      </a:r>
-                    </a:p>
-                  </a:txBody>
-                  <a:tcPr anchor="ctr"/>
-                </a:tc>
-                <a:tc>
-                  <a:txBody>
-                    <a:bodyPr/>
-                    <a:lstStyle/>
-                    <a:p>
-                      <a:pPr algn="ctr"/>
-                      <a:r>
-                        <a:rPr lang="en-US" dirty="0"/>
-                        <a:t>82</a:t>
-                      </a:r>
-                    </a:p>
-                  </a:txBody>
-                  <a:tcPr anchor="ctr"/>
-                </a:tc>
-                <a:tc>
-                  <a:txBody>
-                    <a:bodyPr/>
-                    <a:lstStyle/>
-                    <a:p>
-                      <a:pPr algn="ctr"/>
-                      <a:r>
-                        <a:rPr lang="en-US" dirty="0"/>
-                        <a:t>95</a:t>
-                      </a:r>
-                    </a:p>
-                  </a:txBody>
-                  <a:tcPr anchor="ctr"/>
-                </a:tc>
-                <a:extLst>
-                  <a:ext uri="{0D108BD9-81ED-4DB2-BD59-A6C34878D82A}">
-                    <a16:rowId xmlns:a16="http://schemas.microsoft.com/office/drawing/2014/main" val="10001"/>
-                  </a:ext>
-                </a:extLst>
-              </a:tr>
-              <a:tr h="514350">
-                <a:tc>
-                  <a:txBody>
-                    <a:bodyPr/>
-                    <a:lstStyle/>
-                    <a:p>
-                      <a:r>
-                        <a:rPr lang="en-US" dirty="0"/>
-                        <a:t>Class</a:t>
-                      </a:r>
-                      <a:r>
-                        <a:rPr lang="en-US" baseline="0" dirty="0"/>
-                        <a:t> 2</a:t>
-                      </a:r>
-                      <a:endParaRPr lang="en-US" dirty="0"/>
-                    </a:p>
-                  </a:txBody>
-                  <a:tcPr anchor="ctr"/>
-                </a:tc>
-                <a:tc>
-                  <a:txBody>
-                    <a:bodyPr/>
-                    <a:lstStyle/>
-                    <a:p>
-                      <a:pPr algn="ctr"/>
-                      <a:r>
-                        <a:rPr lang="en-US" dirty="0"/>
-                        <a:t>76</a:t>
-                      </a:r>
-                    </a:p>
-                  </a:txBody>
-                  <a:tcPr anchor="ctr"/>
-                </a:tc>
-                <a:tc>
-                  <a:txBody>
-                    <a:bodyPr/>
-                    <a:lstStyle/>
-                    <a:p>
-                      <a:pPr algn="ctr"/>
-                      <a:r>
-                        <a:rPr lang="en-US" dirty="0"/>
-                        <a:t>88</a:t>
-                      </a:r>
-                    </a:p>
-                  </a:txBody>
-                  <a:tcPr anchor="ctr"/>
-                </a:tc>
-                <a:extLst>
-                  <a:ext uri="{0D108BD9-81ED-4DB2-BD59-A6C34878D82A}">
-                    <a16:rowId xmlns:a16="http://schemas.microsoft.com/office/drawing/2014/main" val="10002"/>
-                  </a:ext>
-                </a:extLst>
-              </a:tr>
-              <a:tr h="514350">
-                <a:tc>
-                  <a:txBody>
-                    <a:bodyPr/>
-                    <a:lstStyle/>
-                    <a:p>
-                      <a:r>
-                        <a:rPr lang="en-US" dirty="0"/>
-                        <a:t>Class 3</a:t>
-                      </a:r>
-                    </a:p>
-                  </a:txBody>
-                  <a:tcPr anchor="ctr"/>
-                </a:tc>
-                <a:tc>
-                  <a:txBody>
-                    <a:bodyPr/>
-                    <a:lstStyle/>
-                    <a:p>
-                      <a:pPr algn="ctr"/>
-                      <a:r>
-                        <a:rPr lang="en-US" dirty="0"/>
-                        <a:t>84</a:t>
-                      </a:r>
-                    </a:p>
-                  </a:txBody>
-                  <a:tcPr anchor="ctr"/>
-                </a:tc>
-                <a:tc>
-                  <a:txBody>
-                    <a:bodyPr/>
-                    <a:lstStyle/>
-                    <a:p>
-                      <a:pPr algn="ctr"/>
-                      <a:r>
-                        <a:rPr lang="en-US" dirty="0"/>
-                        <a:t>90</a:t>
-                      </a:r>
-                    </a:p>
-                  </a:txBody>
-                  <a:tcPr anchor="ctr"/>
-                </a:tc>
-                <a:extLst>
-                  <a:ext uri="{0D108BD9-81ED-4DB2-BD59-A6C34878D82A}">
-                    <a16:rowId xmlns:a16="http://schemas.microsoft.com/office/drawing/2014/main" val="10003"/>
-                  </a:ext>
-                </a:extLst>
-              </a:tr>
-            </a:tbl>
-          </a:graphicData>
-        </a:graphic>
-      </p:graphicFrame>
     </p:spTree>
     <p:extLst>
       <p:ext uri="{BB962C8B-B14F-4D97-AF65-F5344CB8AC3E}">
@@ -8687,7 +8596,7 @@
           <a:p>
             <a:r>
               <a:rPr lang="en-US" dirty="0"/>
-              <a:t>Title and Content Layout with SmartArt</a:t>
+              <a:t>Development Tools </a:t>
             </a:r>
           </a:p>
         </p:txBody>
@@ -8702,7 +8611,7 @@
             <p:ph idx="1"/>
             <p:extLst>
               <p:ext uri="{D42A27DB-BD31-4B8C-83A1-F6EECF244321}">
-                <p14:modId xmlns:p14="http://schemas.microsoft.com/office/powerpoint/2010/main" val="2718408119"/>
+                <p14:modId xmlns:p14="http://schemas.microsoft.com/office/powerpoint/2010/main" val="3035918091"/>
               </p:ext>
             </p:extLst>
           </p:nvPr>
@@ -8761,7 +8670,13 @@
       </p:grpSpPr>
       <p:sp>
         <p:nvSpPr>
-          <p:cNvPr id="2" name="Title 1"/>
+          <p:cNvPr id="2" name="Title 1">
+            <a:extLst>
+              <a:ext uri="{FF2B5EF4-FFF2-40B4-BE49-F238E27FC236}">
+                <a16:creationId xmlns:a16="http://schemas.microsoft.com/office/drawing/2014/main" id="{E55E6D88-7A9D-45EA-A563-C15261DCFB4B}"/>
+              </a:ext>
+            </a:extLst>
+          </p:cNvPr>
           <p:cNvSpPr>
             <a:spLocks noGrp="1"/>
           </p:cNvSpPr>
@@ -8769,41 +8684,130 @@
             <p:ph type="title"/>
           </p:nvPr>
         </p:nvSpPr>
+        <p:spPr>
+          <a:xfrm>
+            <a:off x="1522411" y="152399"/>
+            <a:ext cx="9144001" cy="1371600"/>
+          </a:xfrm>
+        </p:spPr>
+        <p:txBody>
+          <a:bodyPr/>
+          <a:lstStyle/>
+          <a:p>
+            <a:r>
+              <a:rPr lang="en-GB" dirty="0"/>
+              <a:t>Back End Structure</a:t>
+            </a:r>
+          </a:p>
+        </p:txBody>
+      </p:sp>
+      <p:sp>
+        <p:nvSpPr>
+          <p:cNvPr id="4" name="Content Placeholder 3">
+            <a:extLst>
+              <a:ext uri="{FF2B5EF4-FFF2-40B4-BE49-F238E27FC236}">
+                <a16:creationId xmlns:a16="http://schemas.microsoft.com/office/drawing/2014/main" id="{9CA40A75-4C9F-41A2-8C80-6115C41893D2}"/>
+              </a:ext>
+            </a:extLst>
+          </p:cNvPr>
+          <p:cNvSpPr>
+            <a:spLocks noGrp="1"/>
+          </p:cNvSpPr>
+          <p:nvPr>
+            <p:ph sz="half" idx="2"/>
+          </p:nvPr>
+        </p:nvSpPr>
         <p:spPr/>
         <p:txBody>
           <a:bodyPr/>
           <a:lstStyle/>
           <a:p>
             <a:r>
-              <a:rPr lang="en-US" dirty="0"/>
-              <a:t>Add a Slide Title - 1</a:t>
+              <a:rPr lang="en-GB" dirty="0"/>
+              <a:t>The back end is organised using the MVC (Model, View and Controller) structure.</a:t>
             </a:r>
           </a:p>
+          <a:p>
+            <a:r>
+              <a:rPr lang="en-GB" dirty="0"/>
+              <a:t>Repositories are used to access the database content.</a:t>
+            </a:r>
+          </a:p>
+          <a:p>
+            <a:r>
+              <a:rPr lang="en-GB" dirty="0"/>
+              <a:t>Services is where the business logic for each entity takes place.</a:t>
+            </a:r>
+          </a:p>
         </p:txBody>
       </p:sp>
-      <p:sp>
-        <p:nvSpPr>
-          <p:cNvPr id="3" name="Text Placeholder 2"/>
-          <p:cNvSpPr>
-            <a:spLocks noGrp="1"/>
-          </p:cNvSpPr>
+      <p:graphicFrame>
+        <p:nvGraphicFramePr>
+          <p:cNvPr id="5" name="Object 4">
+            <a:extLst>
+              <a:ext uri="{FF2B5EF4-FFF2-40B4-BE49-F238E27FC236}">
+                <a16:creationId xmlns:a16="http://schemas.microsoft.com/office/drawing/2014/main" id="{6B6F3A27-257D-48ED-993F-01CBF5592C1A}"/>
+              </a:ext>
+            </a:extLst>
+          </p:cNvPr>
+          <p:cNvGraphicFramePr>
+            <a:graphicFrameLocks noChangeAspect="1"/>
+          </p:cNvGraphicFramePr>
           <p:nvPr>
-            <p:ph type="body" idx="1"/>
+            <p:extLst>
+              <p:ext uri="{D42A27DB-BD31-4B8C-83A1-F6EECF244321}">
+                <p14:modId xmlns:p14="http://schemas.microsoft.com/office/powerpoint/2010/main" val="2761748547"/>
+              </p:ext>
+            </p:extLst>
           </p:nvPr>
-        </p:nvSpPr>
-        <p:spPr/>
-        <p:txBody>
-          <a:bodyPr/>
-          <a:lstStyle/>
-          <a:p>
-            <a:endParaRPr lang="en-US"/>
-          </a:p>
-        </p:txBody>
-      </p:sp>
+        </p:nvGraphicFramePr>
+        <p:xfrm>
+          <a:off x="1269876" y="1523999"/>
+          <a:ext cx="3086100" cy="5226050"/>
+        </p:xfrm>
+        <a:graphic>
+          <a:graphicData uri="http://schemas.openxmlformats.org/presentationml/2006/ole">
+            <mc:AlternateContent xmlns:mc="http://schemas.openxmlformats.org/markup-compatibility/2006">
+              <mc:Choice xmlns:v="urn:schemas-microsoft-com:vml" Requires="v">
+                <p:oleObj spid="_x0000_s3074" name="Bitmap Image" r:id="rId3" imgW="3086280" imgH="5226120" progId="Paint.Picture">
+                  <p:embed/>
+                </p:oleObj>
+              </mc:Choice>
+              <mc:Fallback>
+                <p:oleObj name="Bitmap Image" r:id="rId3" imgW="3086280" imgH="5226120" progId="Paint.Picture">
+                  <p:embed/>
+                  <p:pic>
+                    <p:nvPicPr>
+                      <p:cNvPr id="0" name=""/>
+                      <p:cNvPicPr/>
+                      <p:nvPr/>
+                    </p:nvPicPr>
+                    <p:blipFill>
+                      <a:blip r:embed="rId4"/>
+                      <a:stretch>
+                        <a:fillRect/>
+                      </a:stretch>
+                    </p:blipFill>
+                    <p:spPr>
+                      <a:xfrm>
+                        <a:off x="1269876" y="1523999"/>
+                        <a:ext cx="3086100" cy="5226050"/>
+                      </a:xfrm>
+                      <a:prstGeom prst="rect">
+                        <a:avLst/>
+                      </a:prstGeom>
+                    </p:spPr>
+                  </p:pic>
+                </p:oleObj>
+              </mc:Fallback>
+            </mc:AlternateContent>
+          </a:graphicData>
+        </a:graphic>
+      </p:graphicFrame>
     </p:spTree>
     <p:extLst>
       <p:ext uri="{BB962C8B-B14F-4D97-AF65-F5344CB8AC3E}">
-        <p14:creationId xmlns:p14="http://schemas.microsoft.com/office/powerpoint/2010/main" val="2478160142"/>
+        <p14:creationId xmlns:p14="http://schemas.microsoft.com/office/powerpoint/2010/main" val="168321280"/>
       </p:ext>
     </p:extLst>
   </p:cSld>

--- a/Online Shopping Project.pptx
+++ b/Online Shopping Project.pptx
@@ -14,14 +14,14 @@
     <p:sldId id="265" r:id="rId2"/>
     <p:sldId id="310" r:id="rId3"/>
     <p:sldId id="320" r:id="rId4"/>
-    <p:sldId id="313" r:id="rId5"/>
-    <p:sldId id="312" r:id="rId6"/>
-    <p:sldId id="321" r:id="rId7"/>
-    <p:sldId id="315" r:id="rId8"/>
-    <p:sldId id="316" r:id="rId9"/>
-    <p:sldId id="317" r:id="rId10"/>
-    <p:sldId id="318" r:id="rId11"/>
-    <p:sldId id="319" r:id="rId12"/>
+    <p:sldId id="315" r:id="rId5"/>
+    <p:sldId id="313" r:id="rId6"/>
+    <p:sldId id="312" r:id="rId7"/>
+    <p:sldId id="321" r:id="rId8"/>
+    <p:sldId id="324" r:id="rId9"/>
+    <p:sldId id="322" r:id="rId10"/>
+    <p:sldId id="325" r:id="rId11"/>
+    <p:sldId id="326" r:id="rId12"/>
   </p:sldIdLst>
   <p:sldSz cx="12188825" cy="6858000"/>
   <p:notesSz cx="6858000" cy="9144000"/>
@@ -1306,6 +1306,78 @@
         </a:p>
       </dgm:t>
     </dgm:pt>
+    <dgm:pt modelId="{4C88144B-0704-4926-B75E-0181B47AD039}">
+      <dgm:prSet phldrT="[Text]"/>
+      <dgm:spPr/>
+      <dgm:t>
+        <a:bodyPr/>
+        <a:lstStyle/>
+        <a:p>
+          <a:r>
+            <a:rPr lang="en-US" dirty="0"/>
+            <a:t>Bootstrap	</a:t>
+          </a:r>
+        </a:p>
+      </dgm:t>
+    </dgm:pt>
+    <dgm:pt modelId="{F0CD260C-0E80-4CF5-9C87-F7B9D394953B}" type="parTrans" cxnId="{1FBBE574-387C-4DDD-ABCB-81D2AD47DE3B}">
+      <dgm:prSet/>
+      <dgm:spPr/>
+      <dgm:t>
+        <a:bodyPr/>
+        <a:lstStyle/>
+        <a:p>
+          <a:endParaRPr lang="en-GB"/>
+        </a:p>
+      </dgm:t>
+    </dgm:pt>
+    <dgm:pt modelId="{1B9ED97A-F739-4E19-B992-D24234B95393}" type="sibTrans" cxnId="{1FBBE574-387C-4DDD-ABCB-81D2AD47DE3B}">
+      <dgm:prSet/>
+      <dgm:spPr/>
+      <dgm:t>
+        <a:bodyPr/>
+        <a:lstStyle/>
+        <a:p>
+          <a:endParaRPr lang="en-GB"/>
+        </a:p>
+      </dgm:t>
+    </dgm:pt>
+    <dgm:pt modelId="{A67945C3-DF34-4984-B992-F95B64BF9149}">
+      <dgm:prSet phldrT="[Text]"/>
+      <dgm:spPr/>
+      <dgm:t>
+        <a:bodyPr/>
+        <a:lstStyle/>
+        <a:p>
+          <a:r>
+            <a:rPr lang="en-US" dirty="0"/>
+            <a:t>HTML</a:t>
+          </a:r>
+        </a:p>
+      </dgm:t>
+    </dgm:pt>
+    <dgm:pt modelId="{783F0F5E-4F8C-4052-991A-4AC883911FCB}" type="parTrans" cxnId="{DA28EA59-9A3C-4096-A575-D6378699B06F}">
+      <dgm:prSet/>
+      <dgm:spPr/>
+      <dgm:t>
+        <a:bodyPr/>
+        <a:lstStyle/>
+        <a:p>
+          <a:endParaRPr lang="en-GB"/>
+        </a:p>
+      </dgm:t>
+    </dgm:pt>
+    <dgm:pt modelId="{A363F004-03CD-445C-83C8-941C699E1125}" type="sibTrans" cxnId="{DA28EA59-9A3C-4096-A575-D6378699B06F}">
+      <dgm:prSet/>
+      <dgm:spPr/>
+      <dgm:t>
+        <a:bodyPr/>
+        <a:lstStyle/>
+        <a:p>
+          <a:endParaRPr lang="en-GB"/>
+        </a:p>
+      </dgm:t>
+    </dgm:pt>
     <dgm:pt modelId="{3960CFF8-4383-4382-8D6D-F2A00F508E8D}" type="pres">
       <dgm:prSet presAssocID="{0E9DE493-19D7-4EC9-97C9-5F26233F1106}" presName="Name0" presStyleCnt="0">
         <dgm:presLayoutVars>
@@ -1458,17 +1530,22 @@
     <dgm:cxn modelId="{257F5B30-7454-47CF-BC90-04E4C84E8BA8}" type="presOf" srcId="{58828492-5CEF-4AFE-95CB-5D7E6A18158B}" destId="{5A4B1F72-7052-4FA1-9321-423F2822C025}" srcOrd="0" destOrd="0" presId="urn:microsoft.com/office/officeart/2005/8/layout/hProcess4"/>
     <dgm:cxn modelId="{2D5B3E3B-3EE5-4072-933E-27DF5400591C}" srcId="{FB986F71-3126-4196-BD30-74AEDC39A1CA}" destId="{AB2E8498-CC81-452F-A895-08F3845AA347}" srcOrd="0" destOrd="0" parTransId="{4C65E2C8-0CBB-4D8C-AD60-6B0105C62B84}" sibTransId="{9A1F3304-AA9E-4FBC-89BA-9095C80E47C9}"/>
     <dgm:cxn modelId="{E33DA73B-C4A7-472D-88E9-D1B7FEC0C1F5}" type="presOf" srcId="{BF381BD4-48DC-48BF-8C18-C307CDD4D490}" destId="{BFE859F2-A9E8-4F95-9161-8EC68F2D30C4}" srcOrd="1" destOrd="1" presId="urn:microsoft.com/office/officeart/2005/8/layout/hProcess4"/>
+    <dgm:cxn modelId="{4A469961-B86C-4206-B68B-C7D482532607}" type="presOf" srcId="{A67945C3-DF34-4984-B992-F95B64BF9149}" destId="{96015622-8A46-45CF-A72A-2856B699B374}" srcOrd="0" destOrd="3" presId="urn:microsoft.com/office/officeart/2005/8/layout/hProcess4"/>
     <dgm:cxn modelId="{241A4F42-3815-4A3A-A31B-C5E11FFB5E6D}" type="presOf" srcId="{FB986F71-3126-4196-BD30-74AEDC39A1CA}" destId="{E18C6CF4-EDEB-4539-A36D-E0355B626199}" srcOrd="0" destOrd="0" presId="urn:microsoft.com/office/officeart/2005/8/layout/hProcess4"/>
     <dgm:cxn modelId="{402F9D43-6A91-4B87-83A0-426BC9CD76A6}" type="presOf" srcId="{0B00F5A8-A0EF-4111-9D86-004317B4F49E}" destId="{67FFE978-6FBE-4424-80BE-B9E4B4DD0695}" srcOrd="1" destOrd="0" presId="urn:microsoft.com/office/officeart/2005/8/layout/hProcess4"/>
     <dgm:cxn modelId="{F68B456D-F382-4DF5-8830-F2807CAF9E53}" type="presOf" srcId="{A00D21AD-1968-42AF-BBAE-F174B43C0051}" destId="{67FFE978-6FBE-4424-80BE-B9E4B4DD0695}" srcOrd="1" destOrd="2" presId="urn:microsoft.com/office/officeart/2005/8/layout/hProcess4"/>
     <dgm:cxn modelId="{1423FC72-83C7-4510-8021-28EAEA493E68}" srcId="{0E9DE493-19D7-4EC9-97C9-5F26233F1106}" destId="{FB986F71-3126-4196-BD30-74AEDC39A1CA}" srcOrd="0" destOrd="0" parTransId="{9B3CE34A-9B3E-4D5F-94E0-DFBB94FF5A03}" sibTransId="{D0B150DF-3AA4-454C-8652-25880449C422}"/>
+    <dgm:cxn modelId="{1FBBE574-387C-4DDD-ABCB-81D2AD47DE3B}" srcId="{FB986F71-3126-4196-BD30-74AEDC39A1CA}" destId="{4C88144B-0704-4926-B75E-0181B47AD039}" srcOrd="2" destOrd="0" parTransId="{F0CD260C-0E80-4CF5-9C87-F7B9D394953B}" sibTransId="{1B9ED97A-F739-4E19-B992-D24234B95393}"/>
     <dgm:cxn modelId="{D56E9456-246F-42EA-BCA1-908076F3A9BE}" type="presOf" srcId="{7C6CB6BF-9996-4A79-80DE-350C7EA4B5D9}" destId="{E83793B4-2C5C-4D90-82FA-E5EE4745664D}" srcOrd="0" destOrd="3" presId="urn:microsoft.com/office/officeart/2005/8/layout/hProcess4"/>
     <dgm:cxn modelId="{4143D757-8617-4C89-8322-E3B29A1874AF}" srcId="{58828492-5CEF-4AFE-95CB-5D7E6A18158B}" destId="{68838C34-4D02-49F8-ADD7-BFA90D87B7EA}" srcOrd="0" destOrd="0" parTransId="{F2AD00AD-6A23-4C89-A107-68EF5D1F0B94}" sibTransId="{FFC4FCE7-6F2F-4F91-A74A-7C4C32A81657}"/>
+    <dgm:cxn modelId="{DA28EA59-9A3C-4096-A575-D6378699B06F}" srcId="{FB986F71-3126-4196-BD30-74AEDC39A1CA}" destId="{A67945C3-DF34-4984-B992-F95B64BF9149}" srcOrd="3" destOrd="0" parTransId="{783F0F5E-4F8C-4052-991A-4AC883911FCB}" sibTransId="{A363F004-03CD-445C-83C8-941C699E1125}"/>
     <dgm:cxn modelId="{23435688-C118-4D3D-8201-EA117494D15A}" type="presOf" srcId="{7C6CB6BF-9996-4A79-80DE-350C7EA4B5D9}" destId="{67FFE978-6FBE-4424-80BE-B9E4B4DD0695}" srcOrd="1" destOrd="3" presId="urn:microsoft.com/office/officeart/2005/8/layout/hProcess4"/>
     <dgm:cxn modelId="{550EC38B-566A-4081-A7BE-0E49BE02764D}" type="presOf" srcId="{AB2E8498-CC81-452F-A895-08F3845AA347}" destId="{BFE859F2-A9E8-4F95-9161-8EC68F2D30C4}" srcOrd="1" destOrd="0" presId="urn:microsoft.com/office/officeart/2005/8/layout/hProcess4"/>
     <dgm:cxn modelId="{15FF939D-8FA7-4110-95B8-7D6F840447D6}" type="presOf" srcId="{F06F8161-71B5-4323-89BF-C3EE45CE4CA1}" destId="{67FFE978-6FBE-4424-80BE-B9E4B4DD0695}" srcOrd="1" destOrd="1" presId="urn:microsoft.com/office/officeart/2005/8/layout/hProcess4"/>
     <dgm:cxn modelId="{A63D53AC-541A-4D09-9620-8B1C8D7B91DE}" srcId="{0E9DE493-19D7-4EC9-97C9-5F26233F1106}" destId="{F6D27D1B-CDCB-481F-B8FA-AB31B2A119DE}" srcOrd="1" destOrd="0" parTransId="{8A7BF306-8E53-4B16-9E7E-A79AE3DF6BE2}" sibTransId="{7AEB6639-3258-49E8-8B1F-B4A9C61922BE}"/>
+    <dgm:cxn modelId="{3A2DB6AC-3235-4ED5-83CA-12E063656007}" type="presOf" srcId="{A67945C3-DF34-4984-B992-F95B64BF9149}" destId="{BFE859F2-A9E8-4F95-9161-8EC68F2D30C4}" srcOrd="1" destOrd="3" presId="urn:microsoft.com/office/officeart/2005/8/layout/hProcess4"/>
     <dgm:cxn modelId="{4E74EABF-20DE-46D5-9BE9-0F84CEAF66AB}" type="presOf" srcId="{D0B150DF-3AA4-454C-8652-25880449C422}" destId="{6A63D16E-EEE6-4267-97EA-5AD7D2BC4E84}" srcOrd="0" destOrd="0" presId="urn:microsoft.com/office/officeart/2005/8/layout/hProcess4"/>
+    <dgm:cxn modelId="{9C3AFBC2-1F2F-4A9A-A630-4A91D489AD62}" type="presOf" srcId="{4C88144B-0704-4926-B75E-0181B47AD039}" destId="{BFE859F2-A9E8-4F95-9161-8EC68F2D30C4}" srcOrd="1" destOrd="2" presId="urn:microsoft.com/office/officeart/2005/8/layout/hProcess4"/>
     <dgm:cxn modelId="{95276BC3-D2A9-422F-9390-BED3FD8C7BB0}" type="presOf" srcId="{0E9DE493-19D7-4EC9-97C9-5F26233F1106}" destId="{3960CFF8-4383-4382-8D6D-F2A00F508E8D}" srcOrd="0" destOrd="0" presId="urn:microsoft.com/office/officeart/2005/8/layout/hProcess4"/>
     <dgm:cxn modelId="{5F9EDECD-FB20-4615-B5EC-47255B2B532F}" srcId="{FB986F71-3126-4196-BD30-74AEDC39A1CA}" destId="{BF381BD4-48DC-48BF-8C18-C307CDD4D490}" srcOrd="1" destOrd="0" parTransId="{5D881325-883F-44A1-A5FB-E01856D07A5B}" sibTransId="{2C645F98-BC4B-4797-BC42-0872EA7B0575}"/>
     <dgm:cxn modelId="{F05B73DC-00A2-4C88-B401-6443E03A2148}" type="presOf" srcId="{A00D21AD-1968-42AF-BBAE-F174B43C0051}" destId="{E83793B4-2C5C-4D90-82FA-E5EE4745664D}" srcOrd="0" destOrd="2" presId="urn:microsoft.com/office/officeart/2005/8/layout/hProcess4"/>
@@ -1482,6 +1559,7 @@
     <dgm:cxn modelId="{901B41F3-0C21-45B7-8E4D-D7800F470FB1}" type="presOf" srcId="{68838C34-4D02-49F8-ADD7-BFA90D87B7EA}" destId="{FA58BAB6-E970-457C-8197-2BA1448CD0F8}" srcOrd="0" destOrd="0" presId="urn:microsoft.com/office/officeart/2005/8/layout/hProcess4"/>
     <dgm:cxn modelId="{732F9AFA-01BF-4C18-A659-D951BF9FC05D}" type="presOf" srcId="{AB2E8498-CC81-452F-A895-08F3845AA347}" destId="{96015622-8A46-45CF-A72A-2856B699B374}" srcOrd="0" destOrd="0" presId="urn:microsoft.com/office/officeart/2005/8/layout/hProcess4"/>
     <dgm:cxn modelId="{E95209FE-82B0-40EF-AFE6-D8CCCCEA50E1}" type="presOf" srcId="{7AEB6639-3258-49E8-8B1F-B4A9C61922BE}" destId="{DC2A0ADB-DCE3-4BF4-9952-0394865777AC}" srcOrd="0" destOrd="0" presId="urn:microsoft.com/office/officeart/2005/8/layout/hProcess4"/>
+    <dgm:cxn modelId="{8268B3FF-7AA3-47E9-A863-3ED9EE9C3354}" type="presOf" srcId="{4C88144B-0704-4926-B75E-0181B47AD039}" destId="{96015622-8A46-45CF-A72A-2856B699B374}" srcOrd="0" destOrd="2" presId="urn:microsoft.com/office/officeart/2005/8/layout/hProcess4"/>
     <dgm:cxn modelId="{89F19664-F574-44B4-924E-3D107B743F23}" type="presParOf" srcId="{3960CFF8-4383-4382-8D6D-F2A00F508E8D}" destId="{366CFF54-5C8F-47F9-BFD8-D9AF3EADDA3E}" srcOrd="0" destOrd="0" presId="urn:microsoft.com/office/officeart/2005/8/layout/hProcess4"/>
     <dgm:cxn modelId="{75C41B37-1CBE-4C45-8C4B-850855BD27C4}" type="presParOf" srcId="{3960CFF8-4383-4382-8D6D-F2A00F508E8D}" destId="{13688FBD-4079-41FE-A6A2-B5B0F293E6BF}" srcOrd="1" destOrd="0" presId="urn:microsoft.com/office/officeart/2005/8/layout/hProcess4"/>
     <dgm:cxn modelId="{3AA8FE4E-D0FB-4F4F-9F35-7B6B4E7D5E8D}" type="presParOf" srcId="{3960CFF8-4383-4382-8D6D-F2A00F508E8D}" destId="{224851B6-C14D-49DE-883B-A13003DA4601}" srcOrd="2" destOrd="0" presId="urn:microsoft.com/office/officeart/2005/8/layout/hProcess4"/>
@@ -1613,6 +1691,42 @@
           <a:r>
             <a:rPr lang="en-US" sz="2200" kern="1200" dirty="0"/>
             <a:t>CSS</a:t>
+          </a:r>
+        </a:p>
+        <a:p>
+          <a:pPr marL="228600" lvl="1" indent="-228600" algn="l" defTabSz="977900">
+            <a:lnSpc>
+              <a:spcPct val="90000"/>
+            </a:lnSpc>
+            <a:spcBef>
+              <a:spcPct val="0"/>
+            </a:spcBef>
+            <a:spcAft>
+              <a:spcPct val="15000"/>
+            </a:spcAft>
+            <a:buChar char="•"/>
+          </a:pPr>
+          <a:r>
+            <a:rPr lang="en-US" sz="2200" kern="1200" dirty="0"/>
+            <a:t>Bootstrap	</a:t>
+          </a:r>
+        </a:p>
+        <a:p>
+          <a:pPr marL="228600" lvl="1" indent="-228600" algn="l" defTabSz="977900">
+            <a:lnSpc>
+              <a:spcPct val="90000"/>
+            </a:lnSpc>
+            <a:spcBef>
+              <a:spcPct val="0"/>
+            </a:spcBef>
+            <a:spcAft>
+              <a:spcPct val="15000"/>
+            </a:spcAft>
+            <a:buChar char="•"/>
+          </a:pPr>
+          <a:r>
+            <a:rPr lang="en-US" sz="2200" kern="1200" dirty="0"/>
+            <a:t>HTML</a:t>
           </a:r>
         </a:p>
       </dsp:txBody>
@@ -4324,7 +4438,7 @@
           <a:p>
             <a:r>
               <a:rPr lang="en-GB" dirty="0"/>
-              <a:t>The purpose of our project was to create a online shopping website, where the user is able to create a account and login in order to order the items that they would like. </a:t>
+              <a:t>The purpose of our project was to create a online shopping website, where the user is able to create a account and login in order to order the items that they would like and check them out.</a:t>
             </a:r>
           </a:p>
           <a:p>
@@ -7725,7 +7839,7 @@
           <a:p>
             <a:r>
               <a:rPr lang="it-IT" dirty="0"/>
-              <a:t>itle</a:t>
+              <a:t>Nosente Goll, Marley Curtis &amp; Noor Baakza </a:t>
             </a:r>
           </a:p>
         </p:txBody>
@@ -7774,7 +7888,13 @@
       </p:grpSpPr>
       <p:sp>
         <p:nvSpPr>
-          <p:cNvPr id="2" name="Title 1"/>
+          <p:cNvPr id="2" name="Title 1">
+            <a:extLst>
+              <a:ext uri="{FF2B5EF4-FFF2-40B4-BE49-F238E27FC236}">
+                <a16:creationId xmlns:a16="http://schemas.microsoft.com/office/drawing/2014/main" id="{9ADE6E8E-592E-4ADF-BFE2-6EA5F8A5F3AD}"/>
+              </a:ext>
+            </a:extLst>
+          </p:cNvPr>
           <p:cNvSpPr>
             <a:spLocks noGrp="1"/>
           </p:cNvSpPr>
@@ -7788,20 +7908,26 @@
           <a:lstStyle/>
           <a:p>
             <a:r>
-              <a:rPr lang="en-US" dirty="0"/>
-              <a:t>Add a Slide Title - 4</a:t>
+              <a:rPr lang="en-GB" dirty="0"/>
+              <a:t>Any questions?</a:t>
             </a:r>
           </a:p>
         </p:txBody>
       </p:sp>
       <p:sp>
         <p:nvSpPr>
-          <p:cNvPr id="4" name="Text Placeholder 3"/>
+          <p:cNvPr id="3" name="Text Placeholder 2">
+            <a:extLst>
+              <a:ext uri="{FF2B5EF4-FFF2-40B4-BE49-F238E27FC236}">
+                <a16:creationId xmlns:a16="http://schemas.microsoft.com/office/drawing/2014/main" id="{7B1E9352-EA72-4CC7-9231-47FEC9C75AA6}"/>
+              </a:ext>
+            </a:extLst>
+          </p:cNvPr>
           <p:cNvSpPr>
             <a:spLocks noGrp="1"/>
           </p:cNvSpPr>
           <p:nvPr>
-            <p:ph type="body" sz="half" idx="2"/>
+            <p:ph type="body" idx="1"/>
           </p:nvPr>
         </p:nvSpPr>
         <p:spPr/>
@@ -7809,33 +7935,14 @@
           <a:bodyPr/>
           <a:lstStyle/>
           <a:p>
-            <a:endParaRPr lang="en-US"/>
-          </a:p>
-        </p:txBody>
-      </p:sp>
-      <p:sp>
-        <p:nvSpPr>
-          <p:cNvPr id="3" name="Content Placeholder 2"/>
-          <p:cNvSpPr>
-            <a:spLocks noGrp="1"/>
-          </p:cNvSpPr>
-          <p:nvPr>
-            <p:ph idx="1"/>
-          </p:nvPr>
-        </p:nvSpPr>
-        <p:spPr/>
-        <p:txBody>
-          <a:bodyPr/>
-          <a:lstStyle/>
-          <a:p>
-            <a:endParaRPr lang="en-US"/>
+            <a:endParaRPr lang="en-GB"/>
           </a:p>
         </p:txBody>
       </p:sp>
     </p:spTree>
     <p:extLst>
       <p:ext uri="{BB962C8B-B14F-4D97-AF65-F5344CB8AC3E}">
-        <p14:creationId xmlns:p14="http://schemas.microsoft.com/office/powerpoint/2010/main" val="2765137111"/>
+        <p14:creationId xmlns:p14="http://schemas.microsoft.com/office/powerpoint/2010/main" val="1671166355"/>
       </p:ext>
     </p:extLst>
   </p:cSld>
@@ -7876,7 +7983,13 @@
       </p:grpSpPr>
       <p:sp>
         <p:nvSpPr>
-          <p:cNvPr id="3" name="Title 2"/>
+          <p:cNvPr id="2" name="Title 1">
+            <a:extLst>
+              <a:ext uri="{FF2B5EF4-FFF2-40B4-BE49-F238E27FC236}">
+                <a16:creationId xmlns:a16="http://schemas.microsoft.com/office/drawing/2014/main" id="{AF89668B-778A-414C-99CC-5DDCAB73C39E}"/>
+              </a:ext>
+            </a:extLst>
+          </p:cNvPr>
           <p:cNvSpPr>
             <a:spLocks noGrp="1"/>
           </p:cNvSpPr>
@@ -7890,20 +8003,26 @@
           <a:lstStyle/>
           <a:p>
             <a:r>
-              <a:rPr lang="en-US" dirty="0"/>
-              <a:t>Add a Slide Title - 5</a:t>
+              <a:rPr lang="en-GB" dirty="0"/>
+              <a:t>Thanks for watching!</a:t>
             </a:r>
           </a:p>
         </p:txBody>
       </p:sp>
       <p:sp>
         <p:nvSpPr>
-          <p:cNvPr id="4" name="Text Placeholder 3"/>
+          <p:cNvPr id="3" name="Text Placeholder 2">
+            <a:extLst>
+              <a:ext uri="{FF2B5EF4-FFF2-40B4-BE49-F238E27FC236}">
+                <a16:creationId xmlns:a16="http://schemas.microsoft.com/office/drawing/2014/main" id="{787DC043-D02B-4995-8C61-8E4284888D3C}"/>
+              </a:ext>
+            </a:extLst>
+          </p:cNvPr>
           <p:cNvSpPr>
             <a:spLocks noGrp="1"/>
           </p:cNvSpPr>
           <p:nvPr>
-            <p:ph type="body" sz="half" idx="2"/>
+            <p:ph type="body" idx="1"/>
           </p:nvPr>
         </p:nvSpPr>
         <p:spPr/>
@@ -7911,26 +8030,14 @@
           <a:bodyPr/>
           <a:lstStyle/>
           <a:p>
-            <a:endParaRPr lang="en-US"/>
+            <a:endParaRPr lang="en-GB"/>
           </a:p>
         </p:txBody>
-      </p:sp>
-      <p:sp>
-        <p:nvSpPr>
-          <p:cNvPr id="2" name="Picture Placeholder 1" descr="An empty placeholder to add an image. Click on the placeholder and select the image that you wish to add."/>
-          <p:cNvSpPr>
-            <a:spLocks noGrp="1"/>
-          </p:cNvSpPr>
-          <p:nvPr>
-            <p:ph type="pic" idx="1"/>
-          </p:nvPr>
-        </p:nvSpPr>
-        <p:spPr/>
       </p:sp>
     </p:spTree>
     <p:extLst>
       <p:ext uri="{BB962C8B-B14F-4D97-AF65-F5344CB8AC3E}">
-        <p14:creationId xmlns:p14="http://schemas.microsoft.com/office/powerpoint/2010/main" val="1108506989"/>
+        <p14:creationId xmlns:p14="http://schemas.microsoft.com/office/powerpoint/2010/main" val="3323445550"/>
       </p:ext>
     </p:extLst>
   </p:cSld>
@@ -8012,7 +8119,7 @@
         <p:spPr>
           <a:xfrm>
             <a:off x="1745140" y="4797151"/>
-            <a:ext cx="1835697" cy="1477328"/>
+            <a:ext cx="1835697" cy="923330"/>
           </a:xfrm>
           <a:prstGeom prst="rect">
             <a:avLst/>
@@ -8040,13 +8147,6 @@
             <a:r>
               <a:rPr lang="en-GB" dirty="0"/>
               <a:t>Scrum Master</a:t>
-            </a:r>
-          </a:p>
-          <a:p>
-            <a:pPr algn="ctr"/>
-            <a:r>
-              <a:rPr lang="en-GB" dirty="0"/>
-              <a:t>Front End Developer </a:t>
             </a:r>
           </a:p>
         </p:txBody>
@@ -8385,10 +8485,15 @@
         </p:nvSpPr>
         <p:spPr/>
         <p:txBody>
-          <a:bodyPr/>
+          <a:bodyPr>
+            <a:normAutofit lnSpcReduction="10000"/>
+          </a:bodyPr>
           <a:lstStyle/>
           <a:p>
-            <a:endParaRPr lang="en-GB" dirty="0"/>
+            <a:r>
+              <a:rPr lang="en-GB" dirty="0"/>
+              <a:t>To create an online shopping website and be able to have a profile that can checkout items</a:t>
+            </a:r>
           </a:p>
         </p:txBody>
       </p:sp>
@@ -8451,31 +8556,25 @@
           <a:p>
             <a:r>
               <a:rPr lang="en-US" dirty="0"/>
-              <a:t>LIFE CYCLE </a:t>
+              <a:t>Requirements </a:t>
             </a:r>
           </a:p>
         </p:txBody>
       </p:sp>
       <p:sp>
         <p:nvSpPr>
-          <p:cNvPr id="7" name="Content Placeholder 6">
-            <a:extLst>
-              <a:ext uri="{FF2B5EF4-FFF2-40B4-BE49-F238E27FC236}">
-                <a16:creationId xmlns:a16="http://schemas.microsoft.com/office/drawing/2014/main" id="{44BF7E0F-F221-457E-B7BB-E49928FC19B2}"/>
-              </a:ext>
-            </a:extLst>
-          </p:cNvPr>
+          <p:cNvPr id="4" name="Content Placeholder 3"/>
           <p:cNvSpPr>
             <a:spLocks noGrp="1"/>
           </p:cNvSpPr>
           <p:nvPr>
-            <p:ph sz="half" idx="1"/>
+            <p:ph sz="half" idx="2"/>
           </p:nvPr>
         </p:nvSpPr>
         <p:spPr>
           <a:xfrm>
-            <a:off x="1504781" y="1905000"/>
-            <a:ext cx="8118023" cy="4116287"/>
+            <a:off x="1341884" y="2132856"/>
+            <a:ext cx="9433048" cy="4176464"/>
           </a:xfrm>
         </p:spPr>
         <p:txBody>
@@ -8483,56 +8582,38 @@
           <a:lstStyle/>
           <a:p>
             <a:r>
-              <a:rPr lang="en-GB" dirty="0"/>
-              <a:t>Scrum Meetings </a:t>
-            </a:r>
-          </a:p>
-          <a:p>
-            <a:pPr lvl="1"/>
-            <a:r>
-              <a:rPr lang="en-GB" dirty="0"/>
-              <a:t>Roles and Tasks</a:t>
-            </a:r>
-          </a:p>
-          <a:p>
-            <a:pPr lvl="1"/>
-            <a:r>
-              <a:rPr lang="en-GB" dirty="0"/>
-              <a:t>Database Development</a:t>
-            </a:r>
-          </a:p>
-          <a:p>
-            <a:pPr lvl="1"/>
-            <a:r>
-              <a:rPr lang="en-GB" dirty="0"/>
-              <a:t>Presentation Planning</a:t>
-            </a:r>
-          </a:p>
-          <a:p>
-            <a:r>
-              <a:rPr lang="en-GB" sz="2200" dirty="0"/>
-              <a:t>Sprint Lengths</a:t>
-            </a:r>
-          </a:p>
-          <a:p>
-            <a:pPr lvl="1"/>
-            <a:r>
-              <a:rPr lang="en-GB" sz="1800" dirty="0"/>
-              <a:t>Sprint lengths were a couple of hours</a:t>
-            </a:r>
-          </a:p>
-          <a:p>
-            <a:r>
-              <a:rPr lang="en-GB" sz="2200" dirty="0"/>
-              <a:t>Road Blocks</a:t>
-            </a:r>
-            <a:endParaRPr lang="en-GB" sz="1800" dirty="0"/>
-          </a:p>
-          <a:p>
-            <a:pPr lvl="1"/>
-            <a:r>
-              <a:rPr lang="en-GB" sz="1800" dirty="0"/>
-              <a:t>Limitations and Extenuating circumstances</a:t>
+              <a:rPr lang="en-US" dirty="0"/>
+              <a:t>Registration</a:t>
+            </a:r>
+          </a:p>
+          <a:p>
+            <a:r>
+              <a:rPr lang="en-US" dirty="0"/>
+              <a:t>Login </a:t>
+            </a:r>
+          </a:p>
+          <a:p>
+            <a:r>
+              <a:rPr lang="en-US" dirty="0"/>
+              <a:t>Profile Page </a:t>
+            </a:r>
+          </a:p>
+          <a:p>
+            <a:r>
+              <a:rPr lang="en-US" dirty="0"/>
+              <a:t>Products </a:t>
+            </a:r>
+          </a:p>
+          <a:p>
+            <a:r>
+              <a:rPr lang="en-US" dirty="0"/>
+              <a:t>Basket </a:t>
+            </a:r>
+          </a:p>
+          <a:p>
+            <a:r>
+              <a:rPr lang="en-US" dirty="0"/>
+              <a:t>Proceed to checkout </a:t>
             </a:r>
           </a:p>
         </p:txBody>
@@ -8540,7 +8621,7 @@
     </p:spTree>
     <p:extLst>
       <p:ext uri="{BB962C8B-B14F-4D97-AF65-F5344CB8AC3E}">
-        <p14:creationId xmlns:p14="http://schemas.microsoft.com/office/powerpoint/2010/main" val="4206988261"/>
+        <p14:creationId xmlns:p14="http://schemas.microsoft.com/office/powerpoint/2010/main" val="2681425051"/>
       </p:ext>
     </p:extLst>
   </p:cSld>
@@ -8581,6 +8662,151 @@
       </p:grpSpPr>
       <p:sp>
         <p:nvSpPr>
+          <p:cNvPr id="2" name="Title 1"/>
+          <p:cNvSpPr>
+            <a:spLocks noGrp="1"/>
+          </p:cNvSpPr>
+          <p:nvPr>
+            <p:ph type="title"/>
+          </p:nvPr>
+        </p:nvSpPr>
+        <p:spPr/>
+        <p:txBody>
+          <a:bodyPr/>
+          <a:lstStyle/>
+          <a:p>
+            <a:r>
+              <a:rPr lang="en-US" dirty="0"/>
+              <a:t>LIFE CYCLE </a:t>
+            </a:r>
+          </a:p>
+        </p:txBody>
+      </p:sp>
+      <p:sp>
+        <p:nvSpPr>
+          <p:cNvPr id="7" name="Content Placeholder 6">
+            <a:extLst>
+              <a:ext uri="{FF2B5EF4-FFF2-40B4-BE49-F238E27FC236}">
+                <a16:creationId xmlns:a16="http://schemas.microsoft.com/office/drawing/2014/main" id="{44BF7E0F-F221-457E-B7BB-E49928FC19B2}"/>
+              </a:ext>
+            </a:extLst>
+          </p:cNvPr>
+          <p:cNvSpPr>
+            <a:spLocks noGrp="1"/>
+          </p:cNvSpPr>
+          <p:nvPr>
+            <p:ph sz="half" idx="1"/>
+          </p:nvPr>
+        </p:nvSpPr>
+        <p:spPr>
+          <a:xfrm>
+            <a:off x="1504781" y="1905000"/>
+            <a:ext cx="8118023" cy="4116287"/>
+          </a:xfrm>
+        </p:spPr>
+        <p:txBody>
+          <a:bodyPr/>
+          <a:lstStyle/>
+          <a:p>
+            <a:r>
+              <a:rPr lang="en-GB" dirty="0"/>
+              <a:t>Scrum Meetings </a:t>
+            </a:r>
+          </a:p>
+          <a:p>
+            <a:pPr lvl="1"/>
+            <a:r>
+              <a:rPr lang="en-GB" dirty="0"/>
+              <a:t>Roles and Tasks</a:t>
+            </a:r>
+          </a:p>
+          <a:p>
+            <a:pPr lvl="1"/>
+            <a:r>
+              <a:rPr lang="en-GB" dirty="0"/>
+              <a:t>Database Development</a:t>
+            </a:r>
+          </a:p>
+          <a:p>
+            <a:pPr lvl="1"/>
+            <a:r>
+              <a:rPr lang="en-GB" dirty="0"/>
+              <a:t>Presentation Planning</a:t>
+            </a:r>
+          </a:p>
+          <a:p>
+            <a:r>
+              <a:rPr lang="en-GB" sz="2200" dirty="0"/>
+              <a:t>Sprint Lengths</a:t>
+            </a:r>
+          </a:p>
+          <a:p>
+            <a:pPr lvl="1"/>
+            <a:r>
+              <a:rPr lang="en-GB" sz="1800" dirty="0"/>
+              <a:t>Sprint lengths were a couple of hours</a:t>
+            </a:r>
+          </a:p>
+          <a:p>
+            <a:r>
+              <a:rPr lang="en-GB" sz="2200" dirty="0"/>
+              <a:t>Road Blocks</a:t>
+            </a:r>
+            <a:endParaRPr lang="en-GB" sz="1800" dirty="0"/>
+          </a:p>
+          <a:p>
+            <a:pPr lvl="1"/>
+            <a:r>
+              <a:rPr lang="en-GB" sz="1800" dirty="0"/>
+              <a:t>Limitations and Extenuating circumstances</a:t>
+            </a:r>
+          </a:p>
+        </p:txBody>
+      </p:sp>
+    </p:spTree>
+    <p:extLst>
+      <p:ext uri="{BB962C8B-B14F-4D97-AF65-F5344CB8AC3E}">
+        <p14:creationId xmlns:p14="http://schemas.microsoft.com/office/powerpoint/2010/main" val="4206988261"/>
+      </p:ext>
+    </p:extLst>
+  </p:cSld>
+  <p:clrMapOvr>
+    <a:masterClrMapping/>
+  </p:clrMapOvr>
+  <mc:AlternateContent xmlns:mc="http://schemas.openxmlformats.org/markup-compatibility/2006" xmlns:p14="http://schemas.microsoft.com/office/powerpoint/2010/main">
+    <mc:Choice Requires="p14">
+      <p:transition spd="med" p14:dur="700">
+        <p:fade/>
+      </p:transition>
+    </mc:Choice>
+    <mc:Fallback xmlns="">
+      <p:transition spd="med">
+        <p:fade/>
+      </p:transition>
+    </mc:Fallback>
+  </mc:AlternateContent>
+</p:sld>
+</file>
+
+<file path=ppt/slides/slide6.xml><?xml version="1.0" encoding="utf-8"?>
+<p:sld xmlns:a="http://schemas.openxmlformats.org/drawingml/2006/main" xmlns:r="http://schemas.openxmlformats.org/officeDocument/2006/relationships" xmlns:p="http://schemas.openxmlformats.org/presentationml/2006/main">
+  <p:cSld>
+    <p:spTree>
+      <p:nvGrpSpPr>
+        <p:cNvPr id="1" name=""/>
+        <p:cNvGrpSpPr/>
+        <p:nvPr/>
+      </p:nvGrpSpPr>
+      <p:grpSpPr>
+        <a:xfrm>
+          <a:off x="0" y="0"/>
+          <a:ext cx="0" cy="0"/>
+          <a:chOff x="0" y="0"/>
+          <a:chExt cx="0" cy="0"/>
+        </a:xfrm>
+      </p:grpSpPr>
+      <p:sp>
+        <p:nvSpPr>
           <p:cNvPr id="13" name="Title 12"/>
           <p:cNvSpPr>
             <a:spLocks noGrp="1"/>
@@ -8611,7 +8837,7 @@
             <p:ph idx="1"/>
             <p:extLst>
               <p:ext uri="{D42A27DB-BD31-4B8C-83A1-F6EECF244321}">
-                <p14:modId xmlns:p14="http://schemas.microsoft.com/office/powerpoint/2010/main" val="3035918091"/>
+                <p14:modId xmlns:p14="http://schemas.microsoft.com/office/powerpoint/2010/main" val="733692133"/>
               </p:ext>
             </p:extLst>
           </p:nvPr>
@@ -8651,7 +8877,7 @@
 </p:sld>
 </file>
 
-<file path=ppt/slides/slide6.xml><?xml version="1.0" encoding="utf-8"?>
+<file path=ppt/slides/slide7.xml><?xml version="1.0" encoding="utf-8"?>
 <p:sld xmlns:a="http://schemas.openxmlformats.org/drawingml/2006/main" xmlns:r="http://schemas.openxmlformats.org/officeDocument/2006/relationships" xmlns:p="http://schemas.openxmlformats.org/presentationml/2006/main">
   <p:cSld>
     <p:spTree>
@@ -8769,7 +8995,7 @@
           <a:graphicData uri="http://schemas.openxmlformats.org/presentationml/2006/ole">
             <mc:AlternateContent xmlns:mc="http://schemas.openxmlformats.org/markup-compatibility/2006">
               <mc:Choice xmlns:v="urn:schemas-microsoft-com:vml" Requires="v">
-                <p:oleObj spid="_x0000_s3074" name="Bitmap Image" r:id="rId3" imgW="3086280" imgH="5226120" progId="Paint.Picture">
+                <p:oleObj spid="_x0000_s3077" name="Bitmap Image" r:id="rId3" imgW="3086280" imgH="5226120" progId="Paint.Picture">
                   <p:embed/>
                 </p:oleObj>
               </mc:Choice>
@@ -8829,146 +9055,6 @@
 </p:sld>
 </file>
 
-<file path=ppt/slides/slide7.xml><?xml version="1.0" encoding="utf-8"?>
-<p:sld xmlns:a="http://schemas.openxmlformats.org/drawingml/2006/main" xmlns:r="http://schemas.openxmlformats.org/officeDocument/2006/relationships" xmlns:p="http://schemas.openxmlformats.org/presentationml/2006/main">
-  <p:cSld>
-    <p:spTree>
-      <p:nvGrpSpPr>
-        <p:cNvPr id="1" name=""/>
-        <p:cNvGrpSpPr/>
-        <p:nvPr/>
-      </p:nvGrpSpPr>
-      <p:grpSpPr>
-        <a:xfrm>
-          <a:off x="0" y="0"/>
-          <a:ext cx="0" cy="0"/>
-          <a:chOff x="0" y="0"/>
-          <a:chExt cx="0" cy="0"/>
-        </a:xfrm>
-      </p:grpSpPr>
-      <p:sp>
-        <p:nvSpPr>
-          <p:cNvPr id="2" name="Title 1"/>
-          <p:cNvSpPr>
-            <a:spLocks noGrp="1"/>
-          </p:cNvSpPr>
-          <p:nvPr>
-            <p:ph type="title"/>
-          </p:nvPr>
-        </p:nvSpPr>
-        <p:spPr/>
-        <p:txBody>
-          <a:bodyPr/>
-          <a:lstStyle/>
-          <a:p>
-            <a:r>
-              <a:rPr lang="en-US" dirty="0"/>
-              <a:t>Add a Slide Title - 2</a:t>
-            </a:r>
-          </a:p>
-        </p:txBody>
-      </p:sp>
-      <p:sp>
-        <p:nvSpPr>
-          <p:cNvPr id="3" name="Text Placeholder 2"/>
-          <p:cNvSpPr>
-            <a:spLocks noGrp="1"/>
-          </p:cNvSpPr>
-          <p:nvPr>
-            <p:ph type="body" idx="1"/>
-          </p:nvPr>
-        </p:nvSpPr>
-        <p:spPr/>
-        <p:txBody>
-          <a:bodyPr/>
-          <a:lstStyle/>
-          <a:p>
-            <a:endParaRPr lang="en-US"/>
-          </a:p>
-        </p:txBody>
-      </p:sp>
-      <p:sp>
-        <p:nvSpPr>
-          <p:cNvPr id="4" name="Content Placeholder 3"/>
-          <p:cNvSpPr>
-            <a:spLocks noGrp="1"/>
-          </p:cNvSpPr>
-          <p:nvPr>
-            <p:ph sz="half" idx="2"/>
-          </p:nvPr>
-        </p:nvSpPr>
-        <p:spPr/>
-        <p:txBody>
-          <a:bodyPr/>
-          <a:lstStyle/>
-          <a:p>
-            <a:endParaRPr lang="en-US"/>
-          </a:p>
-        </p:txBody>
-      </p:sp>
-      <p:sp>
-        <p:nvSpPr>
-          <p:cNvPr id="5" name="Text Placeholder 4"/>
-          <p:cNvSpPr>
-            <a:spLocks noGrp="1"/>
-          </p:cNvSpPr>
-          <p:nvPr>
-            <p:ph type="body" sz="quarter" idx="3"/>
-          </p:nvPr>
-        </p:nvSpPr>
-        <p:spPr/>
-        <p:txBody>
-          <a:bodyPr/>
-          <a:lstStyle/>
-          <a:p>
-            <a:endParaRPr lang="en-US"/>
-          </a:p>
-        </p:txBody>
-      </p:sp>
-      <p:sp>
-        <p:nvSpPr>
-          <p:cNvPr id="6" name="Content Placeholder 5"/>
-          <p:cNvSpPr>
-            <a:spLocks noGrp="1"/>
-          </p:cNvSpPr>
-          <p:nvPr>
-            <p:ph sz="quarter" idx="4"/>
-          </p:nvPr>
-        </p:nvSpPr>
-        <p:spPr/>
-        <p:txBody>
-          <a:bodyPr/>
-          <a:lstStyle/>
-          <a:p>
-            <a:endParaRPr lang="en-US"/>
-          </a:p>
-        </p:txBody>
-      </p:sp>
-    </p:spTree>
-    <p:extLst>
-      <p:ext uri="{BB962C8B-B14F-4D97-AF65-F5344CB8AC3E}">
-        <p14:creationId xmlns:p14="http://schemas.microsoft.com/office/powerpoint/2010/main" val="2681425051"/>
-      </p:ext>
-    </p:extLst>
-  </p:cSld>
-  <p:clrMapOvr>
-    <a:masterClrMapping/>
-  </p:clrMapOvr>
-  <mc:AlternateContent xmlns:mc="http://schemas.openxmlformats.org/markup-compatibility/2006" xmlns:p14="http://schemas.microsoft.com/office/powerpoint/2010/main">
-    <mc:Choice Requires="p14">
-      <p:transition spd="med" p14:dur="700">
-        <p:fade/>
-      </p:transition>
-    </mc:Choice>
-    <mc:Fallback xmlns="">
-      <p:transition spd="med">
-        <p:fade/>
-      </p:transition>
-    </mc:Fallback>
-  </mc:AlternateContent>
-</p:sld>
-</file>
-
 <file path=ppt/slides/slide8.xml><?xml version="1.0" encoding="utf-8"?>
 <p:sld xmlns:a="http://schemas.openxmlformats.org/drawingml/2006/main" xmlns:r="http://schemas.openxmlformats.org/officeDocument/2006/relationships" xmlns:p="http://schemas.openxmlformats.org/presentationml/2006/main">
   <p:cSld>
@@ -8988,7 +9074,13 @@
       </p:grpSpPr>
       <p:sp>
         <p:nvSpPr>
-          <p:cNvPr id="2" name="Title 1"/>
+          <p:cNvPr id="2" name="Title 1">
+            <a:extLst>
+              <a:ext uri="{FF2B5EF4-FFF2-40B4-BE49-F238E27FC236}">
+                <a16:creationId xmlns:a16="http://schemas.microsoft.com/office/drawing/2014/main" id="{A1E4FD7F-6B4E-43DF-BC5D-97CCEDC37FF9}"/>
+              </a:ext>
+            </a:extLst>
+          </p:cNvPr>
           <p:cNvSpPr>
             <a:spLocks noGrp="1"/>
           </p:cNvSpPr>
@@ -9002,16 +9094,142 @@
           <a:lstStyle/>
           <a:p>
             <a:r>
-              <a:rPr lang="en-US" dirty="0"/>
-              <a:t>Add a Slide Title - 3</a:t>
+              <a:rPr lang="en-GB" dirty="0"/>
+              <a:t>Development</a:t>
             </a:r>
           </a:p>
         </p:txBody>
       </p:sp>
+      <p:sp>
+        <p:nvSpPr>
+          <p:cNvPr id="3" name="Text Placeholder 2">
+            <a:extLst>
+              <a:ext uri="{FF2B5EF4-FFF2-40B4-BE49-F238E27FC236}">
+                <a16:creationId xmlns:a16="http://schemas.microsoft.com/office/drawing/2014/main" id="{3BFA915D-FDF1-495F-A958-E1830073768E}"/>
+              </a:ext>
+            </a:extLst>
+          </p:cNvPr>
+          <p:cNvSpPr>
+            <a:spLocks noGrp="1"/>
+          </p:cNvSpPr>
+          <p:nvPr>
+            <p:ph type="body" idx="1"/>
+          </p:nvPr>
+        </p:nvSpPr>
+        <p:spPr/>
+        <p:txBody>
+          <a:bodyPr/>
+          <a:lstStyle/>
+          <a:p>
+            <a:r>
+              <a:rPr lang="en-GB" dirty="0"/>
+              <a:t>Front end	</a:t>
+            </a:r>
+          </a:p>
+        </p:txBody>
+      </p:sp>
+      <p:pic>
+        <p:nvPicPr>
+          <p:cNvPr id="8" name="Content Placeholder 7" descr="Graphical user interface, application&#10;&#10;Description automatically generated">
+            <a:extLst>
+              <a:ext uri="{FF2B5EF4-FFF2-40B4-BE49-F238E27FC236}">
+                <a16:creationId xmlns:a16="http://schemas.microsoft.com/office/drawing/2014/main" id="{B28DE47D-B99A-4A2D-9ADD-4384DF602CEC}"/>
+              </a:ext>
+            </a:extLst>
+          </p:cNvPr>
+          <p:cNvPicPr>
+            <a:picLocks noGrp="1" noChangeAspect="1"/>
+          </p:cNvPicPr>
+          <p:nvPr>
+            <p:ph sz="half" idx="2"/>
+          </p:nvPr>
+        </p:nvPicPr>
+        <p:blipFill>
+          <a:blip r:embed="rId2" cstate="print">
+            <a:extLst>
+              <a:ext uri="{28A0092B-C50C-407E-A947-70E740481C1C}">
+                <a14:useLocalDpi xmlns:a14="http://schemas.microsoft.com/office/drawing/2010/main" val="0"/>
+              </a:ext>
+            </a:extLst>
+          </a:blip>
+          <a:stretch>
+            <a:fillRect/>
+          </a:stretch>
+        </p:blipFill>
+        <p:spPr>
+          <a:xfrm>
+            <a:off x="1414463" y="3097696"/>
+            <a:ext cx="4416425" cy="2567608"/>
+          </a:xfrm>
+        </p:spPr>
+      </p:pic>
+      <p:sp>
+        <p:nvSpPr>
+          <p:cNvPr id="5" name="Text Placeholder 4">
+            <a:extLst>
+              <a:ext uri="{FF2B5EF4-FFF2-40B4-BE49-F238E27FC236}">
+                <a16:creationId xmlns:a16="http://schemas.microsoft.com/office/drawing/2014/main" id="{D0671388-FCDB-4EDA-9C58-8AD588693BD7}"/>
+              </a:ext>
+            </a:extLst>
+          </p:cNvPr>
+          <p:cNvSpPr>
+            <a:spLocks noGrp="1"/>
+          </p:cNvSpPr>
+          <p:nvPr>
+            <p:ph type="body" sz="quarter" idx="3"/>
+          </p:nvPr>
+        </p:nvSpPr>
+        <p:spPr/>
+        <p:txBody>
+          <a:bodyPr/>
+          <a:lstStyle/>
+          <a:p>
+            <a:r>
+              <a:rPr lang="en-GB" dirty="0"/>
+              <a:t>Back end </a:t>
+            </a:r>
+          </a:p>
+        </p:txBody>
+      </p:sp>
+      <p:pic>
+        <p:nvPicPr>
+          <p:cNvPr id="10" name="Content Placeholder 9" descr="Graphical user interface, text, application, email&#10;&#10;Description automatically generated">
+            <a:extLst>
+              <a:ext uri="{FF2B5EF4-FFF2-40B4-BE49-F238E27FC236}">
+                <a16:creationId xmlns:a16="http://schemas.microsoft.com/office/drawing/2014/main" id="{1F285377-2B89-4A61-ACD1-0698281DEA3F}"/>
+              </a:ext>
+            </a:extLst>
+          </p:cNvPr>
+          <p:cNvPicPr>
+            <a:picLocks noGrp="1" noChangeAspect="1"/>
+          </p:cNvPicPr>
+          <p:nvPr>
+            <p:ph sz="quarter" idx="4"/>
+          </p:nvPr>
+        </p:nvPicPr>
+        <p:blipFill>
+          <a:blip r:embed="rId3" cstate="print">
+            <a:extLst>
+              <a:ext uri="{28A0092B-C50C-407E-A947-70E740481C1C}">
+                <a14:useLocalDpi xmlns:a14="http://schemas.microsoft.com/office/drawing/2010/main" val="0"/>
+              </a:ext>
+            </a:extLst>
+          </a:blip>
+          <a:stretch>
+            <a:fillRect/>
+          </a:stretch>
+        </p:blipFill>
+        <p:spPr>
+          <a:xfrm>
+            <a:off x="6249988" y="3141116"/>
+            <a:ext cx="4416425" cy="2480768"/>
+          </a:xfrm>
+        </p:spPr>
+      </p:pic>
     </p:spTree>
     <p:extLst>
       <p:ext uri="{BB962C8B-B14F-4D97-AF65-F5344CB8AC3E}">
-        <p14:creationId xmlns:p14="http://schemas.microsoft.com/office/powerpoint/2010/main" val="2590506655"/>
+        <p14:creationId xmlns:p14="http://schemas.microsoft.com/office/powerpoint/2010/main" val="1587708240"/>
       </p:ext>
     </p:extLst>
   </p:cSld>
@@ -9050,10 +9268,63 @@
           <a:chExt cx="0" cy="0"/>
         </a:xfrm>
       </p:grpSpPr>
+      <p:sp>
+        <p:nvSpPr>
+          <p:cNvPr id="2" name="Title 1">
+            <a:extLst>
+              <a:ext uri="{FF2B5EF4-FFF2-40B4-BE49-F238E27FC236}">
+                <a16:creationId xmlns:a16="http://schemas.microsoft.com/office/drawing/2014/main" id="{9ADE6E8E-592E-4ADF-BFE2-6EA5F8A5F3AD}"/>
+              </a:ext>
+            </a:extLst>
+          </p:cNvPr>
+          <p:cNvSpPr>
+            <a:spLocks noGrp="1"/>
+          </p:cNvSpPr>
+          <p:nvPr>
+            <p:ph type="title"/>
+          </p:nvPr>
+        </p:nvSpPr>
+        <p:spPr/>
+        <p:txBody>
+          <a:bodyPr/>
+          <a:lstStyle/>
+          <a:p>
+            <a:r>
+              <a:rPr lang="en-GB" dirty="0"/>
+              <a:t>Improvements...</a:t>
+            </a:r>
+          </a:p>
+        </p:txBody>
+      </p:sp>
+      <p:sp>
+        <p:nvSpPr>
+          <p:cNvPr id="3" name="Text Placeholder 2">
+            <a:extLst>
+              <a:ext uri="{FF2B5EF4-FFF2-40B4-BE49-F238E27FC236}">
+                <a16:creationId xmlns:a16="http://schemas.microsoft.com/office/drawing/2014/main" id="{7B1E9352-EA72-4CC7-9231-47FEC9C75AA6}"/>
+              </a:ext>
+            </a:extLst>
+          </p:cNvPr>
+          <p:cNvSpPr>
+            <a:spLocks noGrp="1"/>
+          </p:cNvSpPr>
+          <p:nvPr>
+            <p:ph type="body" idx="1"/>
+          </p:nvPr>
+        </p:nvSpPr>
+        <p:spPr/>
+        <p:txBody>
+          <a:bodyPr/>
+          <a:lstStyle/>
+          <a:p>
+            <a:endParaRPr lang="en-GB"/>
+          </a:p>
+        </p:txBody>
+      </p:sp>
     </p:spTree>
     <p:extLst>
       <p:ext uri="{BB962C8B-B14F-4D97-AF65-F5344CB8AC3E}">
-        <p14:creationId xmlns:p14="http://schemas.microsoft.com/office/powerpoint/2010/main" val="1735722345"/>
+        <p14:creationId xmlns:p14="http://schemas.microsoft.com/office/powerpoint/2010/main" val="1775913141"/>
       </p:ext>
     </p:extLst>
   </p:cSld>
